--- a/Orange/doc/CS01/task03/Task03.pptx
+++ b/Orange/doc/CS01/task03/Task03.pptx
@@ -4,16 +4,18 @@
   <p:sldMasterIdLst>
     <p:sldMasterId id="2147483648" r:id="rId1"/>
   </p:sldMasterIdLst>
+  <p:notesMasterIdLst>
+    <p:notesMasterId r:id="rId10"/>
+  </p:notesMasterIdLst>
   <p:sldIdLst>
     <p:sldId id="256" r:id="rId2"/>
     <p:sldId id="257" r:id="rId3"/>
     <p:sldId id="258" r:id="rId4"/>
-    <p:sldId id="259" r:id="rId5"/>
-    <p:sldId id="260" r:id="rId6"/>
-    <p:sldId id="261" r:id="rId7"/>
-    <p:sldId id="262" r:id="rId8"/>
-    <p:sldId id="263" r:id="rId9"/>
-    <p:sldId id="264" r:id="rId10"/>
+    <p:sldId id="260" r:id="rId5"/>
+    <p:sldId id="261" r:id="rId6"/>
+    <p:sldId id="262" r:id="rId7"/>
+    <p:sldId id="263" r:id="rId8"/>
+    <p:sldId id="264" r:id="rId9"/>
   </p:sldIdLst>
   <p:sldSz cx="12192000" cy="6858000"/>
   <p:notesSz cx="6858000" cy="9144000"/>
@@ -112,7 +114,1230 @@
       </a:defRPr>
     </a:lvl9pPr>
   </p:defaultTextStyle>
+  <p:extLst>
+    <p:ext uri="{EFAFB233-063F-42B5-8137-9DF3F51BA10A}">
+      <p15:sldGuideLst xmlns:p15="http://schemas.microsoft.com/office/powerpoint/2012/main"/>
+    </p:ext>
+  </p:extLst>
 </p:presentation>
+</file>
+
+<file path=ppt/notesMasters/notesMaster1.xml><?xml version="1.0" encoding="utf-8"?>
+<p:notesMaster xmlns:a="http://schemas.openxmlformats.org/drawingml/2006/main" xmlns:r="http://schemas.openxmlformats.org/officeDocument/2006/relationships" xmlns:p="http://schemas.openxmlformats.org/presentationml/2006/main">
+  <p:cSld>
+    <p:bg>
+      <p:bgRef idx="1001">
+        <a:schemeClr val="bg1"/>
+      </p:bgRef>
+    </p:bg>
+    <p:spTree>
+      <p:nvGrpSpPr>
+        <p:cNvPr id="1" name=""/>
+        <p:cNvGrpSpPr/>
+        <p:nvPr/>
+      </p:nvGrpSpPr>
+      <p:grpSpPr>
+        <a:xfrm>
+          <a:off x="0" y="0"/>
+          <a:ext cx="0" cy="0"/>
+          <a:chOff x="0" y="0"/>
+          <a:chExt cx="0" cy="0"/>
+        </a:xfrm>
+      </p:grpSpPr>
+      <p:sp>
+        <p:nvSpPr>
+          <p:cNvPr id="2" name="Kopfzeilenplatzhalter 1"/>
+          <p:cNvSpPr>
+            <a:spLocks noGrp="1"/>
+          </p:cNvSpPr>
+          <p:nvPr>
+            <p:ph type="hdr" sz="quarter"/>
+          </p:nvPr>
+        </p:nvSpPr>
+        <p:spPr>
+          <a:xfrm>
+            <a:off x="0" y="0"/>
+            <a:ext cx="2971800" cy="458788"/>
+          </a:xfrm>
+          <a:prstGeom prst="rect">
+            <a:avLst/>
+          </a:prstGeom>
+        </p:spPr>
+        <p:txBody>
+          <a:bodyPr vert="horz" lIns="91440" tIns="45720" rIns="91440" bIns="45720" rtlCol="0"/>
+          <a:lstStyle>
+            <a:lvl1pPr algn="l">
+              <a:defRPr sz="1200"/>
+            </a:lvl1pPr>
+          </a:lstStyle>
+          <a:p>
+            <a:endParaRPr lang="de-CH"/>
+          </a:p>
+        </p:txBody>
+      </p:sp>
+      <p:sp>
+        <p:nvSpPr>
+          <p:cNvPr id="3" name="Datumsplatzhalter 2"/>
+          <p:cNvSpPr>
+            <a:spLocks noGrp="1"/>
+          </p:cNvSpPr>
+          <p:nvPr>
+            <p:ph type="dt" idx="1"/>
+          </p:nvPr>
+        </p:nvSpPr>
+        <p:spPr>
+          <a:xfrm>
+            <a:off x="3884613" y="0"/>
+            <a:ext cx="2971800" cy="458788"/>
+          </a:xfrm>
+          <a:prstGeom prst="rect">
+            <a:avLst/>
+          </a:prstGeom>
+        </p:spPr>
+        <p:txBody>
+          <a:bodyPr vert="horz" lIns="91440" tIns="45720" rIns="91440" bIns="45720" rtlCol="0"/>
+          <a:lstStyle>
+            <a:lvl1pPr algn="r">
+              <a:defRPr sz="1200"/>
+            </a:lvl1pPr>
+          </a:lstStyle>
+          <a:p>
+            <a:fld id="{47756057-94A6-4ED6-B81D-35894668BB9D}" type="datetimeFigureOut">
+              <a:rPr lang="de-CH" smtClean="0"/>
+              <a:t>20.03.2017</a:t>
+            </a:fld>
+            <a:endParaRPr lang="de-CH"/>
+          </a:p>
+        </p:txBody>
+      </p:sp>
+      <p:sp>
+        <p:nvSpPr>
+          <p:cNvPr id="4" name="Folienbildplatzhalter 3"/>
+          <p:cNvSpPr>
+            <a:spLocks noGrp="1" noRot="1" noChangeAspect="1"/>
+          </p:cNvSpPr>
+          <p:nvPr>
+            <p:ph type="sldImg" idx="2"/>
+          </p:nvPr>
+        </p:nvSpPr>
+        <p:spPr>
+          <a:xfrm>
+            <a:off x="685800" y="1143000"/>
+            <a:ext cx="5486400" cy="3086100"/>
+          </a:xfrm>
+          <a:prstGeom prst="rect">
+            <a:avLst/>
+          </a:prstGeom>
+          <a:noFill/>
+          <a:ln w="12700">
+            <a:solidFill>
+              <a:prstClr val="black"/>
+            </a:solidFill>
+          </a:ln>
+        </p:spPr>
+        <p:txBody>
+          <a:bodyPr vert="horz" lIns="91440" tIns="45720" rIns="91440" bIns="45720" rtlCol="0" anchor="ctr"/>
+          <a:lstStyle/>
+          <a:p>
+            <a:endParaRPr lang="de-CH"/>
+          </a:p>
+        </p:txBody>
+      </p:sp>
+      <p:sp>
+        <p:nvSpPr>
+          <p:cNvPr id="5" name="Notizenplatzhalter 4"/>
+          <p:cNvSpPr>
+            <a:spLocks noGrp="1"/>
+          </p:cNvSpPr>
+          <p:nvPr>
+            <p:ph type="body" sz="quarter" idx="3"/>
+          </p:nvPr>
+        </p:nvSpPr>
+        <p:spPr>
+          <a:xfrm>
+            <a:off x="685800" y="4400550"/>
+            <a:ext cx="5486400" cy="3600450"/>
+          </a:xfrm>
+          <a:prstGeom prst="rect">
+            <a:avLst/>
+          </a:prstGeom>
+        </p:spPr>
+        <p:txBody>
+          <a:bodyPr vert="horz" lIns="91440" tIns="45720" rIns="91440" bIns="45720" rtlCol="0"/>
+          <a:lstStyle/>
+          <a:p>
+            <a:pPr lvl="0"/>
+            <a:r>
+              <a:rPr lang="de-DE"/>
+              <a:t>Formatvorlagen des Textmasters bearbeiten</a:t>
+            </a:r>
+          </a:p>
+          <a:p>
+            <a:pPr lvl="1"/>
+            <a:r>
+              <a:rPr lang="de-DE"/>
+              <a:t>Zweite Ebene</a:t>
+            </a:r>
+          </a:p>
+          <a:p>
+            <a:pPr lvl="2"/>
+            <a:r>
+              <a:rPr lang="de-DE"/>
+              <a:t>Dritte Ebene</a:t>
+            </a:r>
+          </a:p>
+          <a:p>
+            <a:pPr lvl="3"/>
+            <a:r>
+              <a:rPr lang="de-DE"/>
+              <a:t>Vierte Ebene</a:t>
+            </a:r>
+          </a:p>
+          <a:p>
+            <a:pPr lvl="4"/>
+            <a:r>
+              <a:rPr lang="de-DE"/>
+              <a:t>Fünfte Ebene</a:t>
+            </a:r>
+            <a:endParaRPr lang="de-CH"/>
+          </a:p>
+        </p:txBody>
+      </p:sp>
+      <p:sp>
+        <p:nvSpPr>
+          <p:cNvPr id="6" name="Fußzeilenplatzhalter 5"/>
+          <p:cNvSpPr>
+            <a:spLocks noGrp="1"/>
+          </p:cNvSpPr>
+          <p:nvPr>
+            <p:ph type="ftr" sz="quarter" idx="4"/>
+          </p:nvPr>
+        </p:nvSpPr>
+        <p:spPr>
+          <a:xfrm>
+            <a:off x="0" y="8685213"/>
+            <a:ext cx="2971800" cy="458787"/>
+          </a:xfrm>
+          <a:prstGeom prst="rect">
+            <a:avLst/>
+          </a:prstGeom>
+        </p:spPr>
+        <p:txBody>
+          <a:bodyPr vert="horz" lIns="91440" tIns="45720" rIns="91440" bIns="45720" rtlCol="0" anchor="b"/>
+          <a:lstStyle>
+            <a:lvl1pPr algn="l">
+              <a:defRPr sz="1200"/>
+            </a:lvl1pPr>
+          </a:lstStyle>
+          <a:p>
+            <a:endParaRPr lang="de-CH"/>
+          </a:p>
+        </p:txBody>
+      </p:sp>
+      <p:sp>
+        <p:nvSpPr>
+          <p:cNvPr id="7" name="Foliennummernplatzhalter 6"/>
+          <p:cNvSpPr>
+            <a:spLocks noGrp="1"/>
+          </p:cNvSpPr>
+          <p:nvPr>
+            <p:ph type="sldNum" sz="quarter" idx="5"/>
+          </p:nvPr>
+        </p:nvSpPr>
+        <p:spPr>
+          <a:xfrm>
+            <a:off x="3884613" y="8685213"/>
+            <a:ext cx="2971800" cy="458787"/>
+          </a:xfrm>
+          <a:prstGeom prst="rect">
+            <a:avLst/>
+          </a:prstGeom>
+        </p:spPr>
+        <p:txBody>
+          <a:bodyPr vert="horz" lIns="91440" tIns="45720" rIns="91440" bIns="45720" rtlCol="0" anchor="b"/>
+          <a:lstStyle>
+            <a:lvl1pPr algn="r">
+              <a:defRPr sz="1200"/>
+            </a:lvl1pPr>
+          </a:lstStyle>
+          <a:p>
+            <a:fld id="{6EF20B0F-E6B9-4CD6-95D5-6D8989F300DE}" type="slidenum">
+              <a:rPr lang="de-CH" smtClean="0"/>
+              <a:t>‹Nr.›</a:t>
+            </a:fld>
+            <a:endParaRPr lang="de-CH"/>
+          </a:p>
+        </p:txBody>
+      </p:sp>
+    </p:spTree>
+    <p:extLst>
+      <p:ext uri="{BB962C8B-B14F-4D97-AF65-F5344CB8AC3E}">
+        <p14:creationId xmlns:p14="http://schemas.microsoft.com/office/powerpoint/2010/main" val="3296530313"/>
+      </p:ext>
+    </p:extLst>
+  </p:cSld>
+  <p:clrMap bg1="lt1" tx1="dk1" bg2="lt2" tx2="dk2" accent1="accent1" accent2="accent2" accent3="accent3" accent4="accent4" accent5="accent5" accent6="accent6" hlink="hlink" folHlink="folHlink"/>
+  <p:notesStyle>
+    <a:lvl1pPr marL="0" algn="l" defTabSz="914400" rtl="0" eaLnBrk="1" latinLnBrk="0" hangingPunct="1">
+      <a:defRPr sz="1200" kern="1200">
+        <a:solidFill>
+          <a:schemeClr val="tx1"/>
+        </a:solidFill>
+        <a:latin typeface="+mn-lt"/>
+        <a:ea typeface="+mn-ea"/>
+        <a:cs typeface="+mn-cs"/>
+      </a:defRPr>
+    </a:lvl1pPr>
+    <a:lvl2pPr marL="457200" algn="l" defTabSz="914400" rtl="0" eaLnBrk="1" latinLnBrk="0" hangingPunct="1">
+      <a:defRPr sz="1200" kern="1200">
+        <a:solidFill>
+          <a:schemeClr val="tx1"/>
+        </a:solidFill>
+        <a:latin typeface="+mn-lt"/>
+        <a:ea typeface="+mn-ea"/>
+        <a:cs typeface="+mn-cs"/>
+      </a:defRPr>
+    </a:lvl2pPr>
+    <a:lvl3pPr marL="914400" algn="l" defTabSz="914400" rtl="0" eaLnBrk="1" latinLnBrk="0" hangingPunct="1">
+      <a:defRPr sz="1200" kern="1200">
+        <a:solidFill>
+          <a:schemeClr val="tx1"/>
+        </a:solidFill>
+        <a:latin typeface="+mn-lt"/>
+        <a:ea typeface="+mn-ea"/>
+        <a:cs typeface="+mn-cs"/>
+      </a:defRPr>
+    </a:lvl3pPr>
+    <a:lvl4pPr marL="1371600" algn="l" defTabSz="914400" rtl="0" eaLnBrk="1" latinLnBrk="0" hangingPunct="1">
+      <a:defRPr sz="1200" kern="1200">
+        <a:solidFill>
+          <a:schemeClr val="tx1"/>
+        </a:solidFill>
+        <a:latin typeface="+mn-lt"/>
+        <a:ea typeface="+mn-ea"/>
+        <a:cs typeface="+mn-cs"/>
+      </a:defRPr>
+    </a:lvl4pPr>
+    <a:lvl5pPr marL="1828800" algn="l" defTabSz="914400" rtl="0" eaLnBrk="1" latinLnBrk="0" hangingPunct="1">
+      <a:defRPr sz="1200" kern="1200">
+        <a:solidFill>
+          <a:schemeClr val="tx1"/>
+        </a:solidFill>
+        <a:latin typeface="+mn-lt"/>
+        <a:ea typeface="+mn-ea"/>
+        <a:cs typeface="+mn-cs"/>
+      </a:defRPr>
+    </a:lvl5pPr>
+    <a:lvl6pPr marL="2286000" algn="l" defTabSz="914400" rtl="0" eaLnBrk="1" latinLnBrk="0" hangingPunct="1">
+      <a:defRPr sz="1200" kern="1200">
+        <a:solidFill>
+          <a:schemeClr val="tx1"/>
+        </a:solidFill>
+        <a:latin typeface="+mn-lt"/>
+        <a:ea typeface="+mn-ea"/>
+        <a:cs typeface="+mn-cs"/>
+      </a:defRPr>
+    </a:lvl6pPr>
+    <a:lvl7pPr marL="2743200" algn="l" defTabSz="914400" rtl="0" eaLnBrk="1" latinLnBrk="0" hangingPunct="1">
+      <a:defRPr sz="1200" kern="1200">
+        <a:solidFill>
+          <a:schemeClr val="tx1"/>
+        </a:solidFill>
+        <a:latin typeface="+mn-lt"/>
+        <a:ea typeface="+mn-ea"/>
+        <a:cs typeface="+mn-cs"/>
+      </a:defRPr>
+    </a:lvl7pPr>
+    <a:lvl8pPr marL="3200400" algn="l" defTabSz="914400" rtl="0" eaLnBrk="1" latinLnBrk="0" hangingPunct="1">
+      <a:defRPr sz="1200" kern="1200">
+        <a:solidFill>
+          <a:schemeClr val="tx1"/>
+        </a:solidFill>
+        <a:latin typeface="+mn-lt"/>
+        <a:ea typeface="+mn-ea"/>
+        <a:cs typeface="+mn-cs"/>
+      </a:defRPr>
+    </a:lvl8pPr>
+    <a:lvl9pPr marL="3657600" algn="l" defTabSz="914400" rtl="0" eaLnBrk="1" latinLnBrk="0" hangingPunct="1">
+      <a:defRPr sz="1200" kern="1200">
+        <a:solidFill>
+          <a:schemeClr val="tx1"/>
+        </a:solidFill>
+        <a:latin typeface="+mn-lt"/>
+        <a:ea typeface="+mn-ea"/>
+        <a:cs typeface="+mn-cs"/>
+      </a:defRPr>
+    </a:lvl9pPr>
+  </p:notesStyle>
+</p:notesMaster>
+</file>
+
+<file path=ppt/notesSlides/notesSlide1.xml><?xml version="1.0" encoding="utf-8"?>
+<p:notes xmlns:a="http://schemas.openxmlformats.org/drawingml/2006/main" xmlns:r="http://schemas.openxmlformats.org/officeDocument/2006/relationships" xmlns:p="http://schemas.openxmlformats.org/presentationml/2006/main">
+  <p:cSld>
+    <p:spTree>
+      <p:nvGrpSpPr>
+        <p:cNvPr id="1" name=""/>
+        <p:cNvGrpSpPr/>
+        <p:nvPr/>
+      </p:nvGrpSpPr>
+      <p:grpSpPr>
+        <a:xfrm>
+          <a:off x="0" y="0"/>
+          <a:ext cx="0" cy="0"/>
+          <a:chOff x="0" y="0"/>
+          <a:chExt cx="0" cy="0"/>
+        </a:xfrm>
+      </p:grpSpPr>
+      <p:sp>
+        <p:nvSpPr>
+          <p:cNvPr id="2" name="Folienbildplatzhalter 1"/>
+          <p:cNvSpPr>
+            <a:spLocks noGrp="1" noRot="1" noChangeAspect="1"/>
+          </p:cNvSpPr>
+          <p:nvPr>
+            <p:ph type="sldImg"/>
+          </p:nvPr>
+        </p:nvSpPr>
+        <p:spPr/>
+      </p:sp>
+      <p:sp>
+        <p:nvSpPr>
+          <p:cNvPr id="3" name="Notizenplatzhalter 2"/>
+          <p:cNvSpPr>
+            <a:spLocks noGrp="1"/>
+          </p:cNvSpPr>
+          <p:nvPr>
+            <p:ph type="body" idx="1"/>
+          </p:nvPr>
+        </p:nvSpPr>
+        <p:spPr/>
+        <p:txBody>
+          <a:bodyPr/>
+          <a:lstStyle/>
+          <a:p>
+            <a:r>
+              <a:rPr lang="en-US" dirty="0"/>
+              <a:t>Joy</a:t>
+            </a:r>
+          </a:p>
+          <a:p>
+            <a:r>
+              <a:rPr lang="en-US" dirty="0" err="1"/>
+              <a:t>Begrüssung</a:t>
+            </a:r>
+            <a:r>
+              <a:rPr lang="en-US" dirty="0"/>
+              <a:t>, User</a:t>
+            </a:r>
+            <a:r>
+              <a:rPr lang="en-US" baseline="0" dirty="0"/>
+              <a:t> Group = relatives</a:t>
+            </a:r>
+          </a:p>
+          <a:p>
+            <a:r>
+              <a:rPr lang="en-US" baseline="0" dirty="0" err="1"/>
+              <a:t>Thema</a:t>
+            </a:r>
+            <a:r>
+              <a:rPr lang="en-US" baseline="0" dirty="0"/>
+              <a:t> </a:t>
+            </a:r>
+            <a:r>
+              <a:rPr lang="en-US" baseline="0" dirty="0" err="1"/>
+              <a:t>schizophrenie</a:t>
+            </a:r>
+            <a:endParaRPr lang="de-CH" dirty="0"/>
+          </a:p>
+        </p:txBody>
+      </p:sp>
+      <p:sp>
+        <p:nvSpPr>
+          <p:cNvPr id="4" name="Foliennummernplatzhalter 3"/>
+          <p:cNvSpPr>
+            <a:spLocks noGrp="1"/>
+          </p:cNvSpPr>
+          <p:nvPr>
+            <p:ph type="sldNum" sz="quarter" idx="10"/>
+          </p:nvPr>
+        </p:nvSpPr>
+        <p:spPr/>
+        <p:txBody>
+          <a:bodyPr/>
+          <a:lstStyle/>
+          <a:p>
+            <a:fld id="{6EF20B0F-E6B9-4CD6-95D5-6D8989F300DE}" type="slidenum">
+              <a:rPr lang="de-CH" smtClean="0"/>
+              <a:t>1</a:t>
+            </a:fld>
+            <a:endParaRPr lang="de-CH"/>
+          </a:p>
+        </p:txBody>
+      </p:sp>
+    </p:spTree>
+    <p:extLst>
+      <p:ext uri="{BB962C8B-B14F-4D97-AF65-F5344CB8AC3E}">
+        <p14:creationId xmlns:p14="http://schemas.microsoft.com/office/powerpoint/2010/main" val="3673362144"/>
+      </p:ext>
+    </p:extLst>
+  </p:cSld>
+  <p:clrMapOvr>
+    <a:masterClrMapping/>
+  </p:clrMapOvr>
+</p:notes>
+</file>
+
+<file path=ppt/notesSlides/notesSlide2.xml><?xml version="1.0" encoding="utf-8"?>
+<p:notes xmlns:a="http://schemas.openxmlformats.org/drawingml/2006/main" xmlns:r="http://schemas.openxmlformats.org/officeDocument/2006/relationships" xmlns:p="http://schemas.openxmlformats.org/presentationml/2006/main">
+  <p:cSld>
+    <p:spTree>
+      <p:nvGrpSpPr>
+        <p:cNvPr id="1" name=""/>
+        <p:cNvGrpSpPr/>
+        <p:nvPr/>
+      </p:nvGrpSpPr>
+      <p:grpSpPr>
+        <a:xfrm>
+          <a:off x="0" y="0"/>
+          <a:ext cx="0" cy="0"/>
+          <a:chOff x="0" y="0"/>
+          <a:chExt cx="0" cy="0"/>
+        </a:xfrm>
+      </p:grpSpPr>
+      <p:sp>
+        <p:nvSpPr>
+          <p:cNvPr id="2" name="Folienbildplatzhalter 1"/>
+          <p:cNvSpPr>
+            <a:spLocks noGrp="1" noRot="1" noChangeAspect="1"/>
+          </p:cNvSpPr>
+          <p:nvPr>
+            <p:ph type="sldImg"/>
+          </p:nvPr>
+        </p:nvSpPr>
+        <p:spPr/>
+      </p:sp>
+      <p:sp>
+        <p:nvSpPr>
+          <p:cNvPr id="3" name="Notizenplatzhalter 2"/>
+          <p:cNvSpPr>
+            <a:spLocks noGrp="1"/>
+          </p:cNvSpPr>
+          <p:nvPr>
+            <p:ph type="body" idx="1"/>
+          </p:nvPr>
+        </p:nvSpPr>
+        <p:spPr/>
+        <p:txBody>
+          <a:bodyPr/>
+          <a:lstStyle/>
+          <a:p>
+            <a:r>
+              <a:rPr lang="en-US" dirty="0"/>
+              <a:t>Joy</a:t>
+            </a:r>
+          </a:p>
+          <a:p>
+            <a:pPr marL="0" marR="0" lvl="0" indent="0" algn="l" defTabSz="914400" rtl="0" eaLnBrk="1" fontAlgn="auto" latinLnBrk="0" hangingPunct="1">
+              <a:lnSpc>
+                <a:spcPct val="100000"/>
+              </a:lnSpc>
+              <a:spcBef>
+                <a:spcPts val="0"/>
+              </a:spcBef>
+              <a:spcAft>
+                <a:spcPts val="0"/>
+              </a:spcAft>
+              <a:buClrTx/>
+              <a:buSzTx/>
+              <a:buFontTx/>
+              <a:buNone/>
+              <a:tabLst/>
+              <a:defRPr/>
+            </a:pPr>
+            <a:r>
+              <a:rPr lang="en-US" dirty="0"/>
+              <a:t>Provide basic information about the patient and the relatives</a:t>
+            </a:r>
+          </a:p>
+          <a:p>
+            <a:pPr marL="0" marR="0" lvl="0" indent="0" algn="l" defTabSz="914400" rtl="0" eaLnBrk="1" fontAlgn="auto" latinLnBrk="0" hangingPunct="1">
+              <a:lnSpc>
+                <a:spcPct val="100000"/>
+              </a:lnSpc>
+              <a:spcBef>
+                <a:spcPts val="0"/>
+              </a:spcBef>
+              <a:spcAft>
+                <a:spcPts val="0"/>
+              </a:spcAft>
+              <a:buClrTx/>
+              <a:buSzTx/>
+              <a:buFontTx/>
+              <a:buNone/>
+              <a:tabLst/>
+              <a:defRPr/>
+            </a:pPr>
+            <a:r>
+              <a:rPr lang="en-US" dirty="0"/>
+              <a:t>Standardized data exchange between medical staff and relatives</a:t>
+            </a:r>
+            <a:endParaRPr lang="en-US" b="1" dirty="0"/>
+          </a:p>
+          <a:p>
+            <a:r>
+              <a:rPr lang="en-US" dirty="0"/>
+              <a:t>Consistent history of the patients activities to improve the medical treatment by the staff</a:t>
+            </a:r>
+            <a:endParaRPr lang="de-CH" dirty="0"/>
+          </a:p>
+        </p:txBody>
+      </p:sp>
+      <p:sp>
+        <p:nvSpPr>
+          <p:cNvPr id="4" name="Foliennummernplatzhalter 3"/>
+          <p:cNvSpPr>
+            <a:spLocks noGrp="1"/>
+          </p:cNvSpPr>
+          <p:nvPr>
+            <p:ph type="sldNum" sz="quarter" idx="10"/>
+          </p:nvPr>
+        </p:nvSpPr>
+        <p:spPr/>
+        <p:txBody>
+          <a:bodyPr/>
+          <a:lstStyle/>
+          <a:p>
+            <a:fld id="{6EF20B0F-E6B9-4CD6-95D5-6D8989F300DE}" type="slidenum">
+              <a:rPr lang="de-CH" smtClean="0"/>
+              <a:t>2</a:t>
+            </a:fld>
+            <a:endParaRPr lang="de-CH"/>
+          </a:p>
+        </p:txBody>
+      </p:sp>
+    </p:spTree>
+    <p:extLst>
+      <p:ext uri="{BB962C8B-B14F-4D97-AF65-F5344CB8AC3E}">
+        <p14:creationId xmlns:p14="http://schemas.microsoft.com/office/powerpoint/2010/main" val="526747027"/>
+      </p:ext>
+    </p:extLst>
+  </p:cSld>
+  <p:clrMapOvr>
+    <a:masterClrMapping/>
+  </p:clrMapOvr>
+</p:notes>
+</file>
+
+<file path=ppt/notesSlides/notesSlide3.xml><?xml version="1.0" encoding="utf-8"?>
+<p:notes xmlns:a="http://schemas.openxmlformats.org/drawingml/2006/main" xmlns:r="http://schemas.openxmlformats.org/officeDocument/2006/relationships" xmlns:p="http://schemas.openxmlformats.org/presentationml/2006/main">
+  <p:cSld>
+    <p:spTree>
+      <p:nvGrpSpPr>
+        <p:cNvPr id="1" name=""/>
+        <p:cNvGrpSpPr/>
+        <p:nvPr/>
+      </p:nvGrpSpPr>
+      <p:grpSpPr>
+        <a:xfrm>
+          <a:off x="0" y="0"/>
+          <a:ext cx="0" cy="0"/>
+          <a:chOff x="0" y="0"/>
+          <a:chExt cx="0" cy="0"/>
+        </a:xfrm>
+      </p:grpSpPr>
+      <p:sp>
+        <p:nvSpPr>
+          <p:cNvPr id="2" name="Folienbildplatzhalter 1"/>
+          <p:cNvSpPr>
+            <a:spLocks noGrp="1" noRot="1" noChangeAspect="1"/>
+          </p:cNvSpPr>
+          <p:nvPr>
+            <p:ph type="sldImg"/>
+          </p:nvPr>
+        </p:nvSpPr>
+        <p:spPr/>
+      </p:sp>
+      <p:sp>
+        <p:nvSpPr>
+          <p:cNvPr id="3" name="Notizenplatzhalter 2"/>
+          <p:cNvSpPr>
+            <a:spLocks noGrp="1"/>
+          </p:cNvSpPr>
+          <p:nvPr>
+            <p:ph type="body" idx="1"/>
+          </p:nvPr>
+        </p:nvSpPr>
+        <p:spPr/>
+        <p:txBody>
+          <a:bodyPr/>
+          <a:lstStyle/>
+          <a:p>
+            <a:r>
+              <a:rPr lang="en-US" dirty="0"/>
+              <a:t>Yves</a:t>
+            </a:r>
+          </a:p>
+          <a:p>
+            <a:r>
+              <a:rPr lang="en-US" dirty="0"/>
+              <a:t>This feature is subject to the administration office</a:t>
+            </a:r>
+          </a:p>
+          <a:p>
+            <a:r>
+              <a:rPr lang="en-US" dirty="0"/>
+              <a:t>The app doesn’t provide sensitive data to match with the medical confidentiality law</a:t>
+            </a:r>
+            <a:endParaRPr lang="de-CH" dirty="0"/>
+          </a:p>
+        </p:txBody>
+      </p:sp>
+      <p:sp>
+        <p:nvSpPr>
+          <p:cNvPr id="4" name="Foliennummernplatzhalter 3"/>
+          <p:cNvSpPr>
+            <a:spLocks noGrp="1"/>
+          </p:cNvSpPr>
+          <p:nvPr>
+            <p:ph type="sldNum" sz="quarter" idx="10"/>
+          </p:nvPr>
+        </p:nvSpPr>
+        <p:spPr/>
+        <p:txBody>
+          <a:bodyPr/>
+          <a:lstStyle/>
+          <a:p>
+            <a:fld id="{6EF20B0F-E6B9-4CD6-95D5-6D8989F300DE}" type="slidenum">
+              <a:rPr lang="de-CH" smtClean="0"/>
+              <a:t>3</a:t>
+            </a:fld>
+            <a:endParaRPr lang="de-CH"/>
+          </a:p>
+        </p:txBody>
+      </p:sp>
+    </p:spTree>
+    <p:extLst>
+      <p:ext uri="{BB962C8B-B14F-4D97-AF65-F5344CB8AC3E}">
+        <p14:creationId xmlns:p14="http://schemas.microsoft.com/office/powerpoint/2010/main" val="3031773538"/>
+      </p:ext>
+    </p:extLst>
+  </p:cSld>
+  <p:clrMapOvr>
+    <a:masterClrMapping/>
+  </p:clrMapOvr>
+</p:notes>
+</file>
+
+<file path=ppt/notesSlides/notesSlide4.xml><?xml version="1.0" encoding="utf-8"?>
+<p:notes xmlns:a="http://schemas.openxmlformats.org/drawingml/2006/main" xmlns:r="http://schemas.openxmlformats.org/officeDocument/2006/relationships" xmlns:p="http://schemas.openxmlformats.org/presentationml/2006/main">
+  <p:cSld>
+    <p:spTree>
+      <p:nvGrpSpPr>
+        <p:cNvPr id="1" name=""/>
+        <p:cNvGrpSpPr/>
+        <p:nvPr/>
+      </p:nvGrpSpPr>
+      <p:grpSpPr>
+        <a:xfrm>
+          <a:off x="0" y="0"/>
+          <a:ext cx="0" cy="0"/>
+          <a:chOff x="0" y="0"/>
+          <a:chExt cx="0" cy="0"/>
+        </a:xfrm>
+      </p:grpSpPr>
+      <p:sp>
+        <p:nvSpPr>
+          <p:cNvPr id="2" name="Folienbildplatzhalter 1"/>
+          <p:cNvSpPr>
+            <a:spLocks noGrp="1" noRot="1" noChangeAspect="1"/>
+          </p:cNvSpPr>
+          <p:nvPr>
+            <p:ph type="sldImg"/>
+          </p:nvPr>
+        </p:nvSpPr>
+        <p:spPr/>
+      </p:sp>
+      <p:sp>
+        <p:nvSpPr>
+          <p:cNvPr id="3" name="Notizenplatzhalter 2"/>
+          <p:cNvSpPr>
+            <a:spLocks noGrp="1"/>
+          </p:cNvSpPr>
+          <p:nvPr>
+            <p:ph type="body" idx="1"/>
+          </p:nvPr>
+        </p:nvSpPr>
+        <p:spPr/>
+        <p:txBody>
+          <a:bodyPr/>
+          <a:lstStyle/>
+          <a:p>
+            <a:r>
+              <a:rPr lang="en-US" dirty="0"/>
+              <a:t>Joy</a:t>
+            </a:r>
+            <a:endParaRPr lang="de-CH" dirty="0"/>
+          </a:p>
+        </p:txBody>
+      </p:sp>
+      <p:sp>
+        <p:nvSpPr>
+          <p:cNvPr id="4" name="Foliennummernplatzhalter 3"/>
+          <p:cNvSpPr>
+            <a:spLocks noGrp="1"/>
+          </p:cNvSpPr>
+          <p:nvPr>
+            <p:ph type="sldNum" sz="quarter" idx="10"/>
+          </p:nvPr>
+        </p:nvSpPr>
+        <p:spPr/>
+        <p:txBody>
+          <a:bodyPr/>
+          <a:lstStyle/>
+          <a:p>
+            <a:fld id="{6EF20B0F-E6B9-4CD6-95D5-6D8989F300DE}" type="slidenum">
+              <a:rPr lang="de-CH" smtClean="0"/>
+              <a:t>4</a:t>
+            </a:fld>
+            <a:endParaRPr lang="de-CH"/>
+          </a:p>
+        </p:txBody>
+      </p:sp>
+    </p:spTree>
+    <p:extLst>
+      <p:ext uri="{BB962C8B-B14F-4D97-AF65-F5344CB8AC3E}">
+        <p14:creationId xmlns:p14="http://schemas.microsoft.com/office/powerpoint/2010/main" val="1032249945"/>
+      </p:ext>
+    </p:extLst>
+  </p:cSld>
+  <p:clrMapOvr>
+    <a:masterClrMapping/>
+  </p:clrMapOvr>
+</p:notes>
+</file>
+
+<file path=ppt/notesSlides/notesSlide5.xml><?xml version="1.0" encoding="utf-8"?>
+<p:notes xmlns:a="http://schemas.openxmlformats.org/drawingml/2006/main" xmlns:r="http://schemas.openxmlformats.org/officeDocument/2006/relationships" xmlns:p="http://schemas.openxmlformats.org/presentationml/2006/main">
+  <p:cSld>
+    <p:spTree>
+      <p:nvGrpSpPr>
+        <p:cNvPr id="1" name=""/>
+        <p:cNvGrpSpPr/>
+        <p:nvPr/>
+      </p:nvGrpSpPr>
+      <p:grpSpPr>
+        <a:xfrm>
+          <a:off x="0" y="0"/>
+          <a:ext cx="0" cy="0"/>
+          <a:chOff x="0" y="0"/>
+          <a:chExt cx="0" cy="0"/>
+        </a:xfrm>
+      </p:grpSpPr>
+      <p:sp>
+        <p:nvSpPr>
+          <p:cNvPr id="2" name="Folienbildplatzhalter 1"/>
+          <p:cNvSpPr>
+            <a:spLocks noGrp="1" noRot="1" noChangeAspect="1"/>
+          </p:cNvSpPr>
+          <p:nvPr>
+            <p:ph type="sldImg"/>
+          </p:nvPr>
+        </p:nvSpPr>
+        <p:spPr/>
+      </p:sp>
+      <p:sp>
+        <p:nvSpPr>
+          <p:cNvPr id="3" name="Notizenplatzhalter 2"/>
+          <p:cNvSpPr>
+            <a:spLocks noGrp="1"/>
+          </p:cNvSpPr>
+          <p:nvPr>
+            <p:ph type="body" idx="1"/>
+          </p:nvPr>
+        </p:nvSpPr>
+        <p:spPr/>
+        <p:txBody>
+          <a:bodyPr/>
+          <a:lstStyle/>
+          <a:p>
+            <a:r>
+              <a:rPr lang="en-US" dirty="0"/>
+              <a:t>Yves</a:t>
+            </a:r>
+            <a:endParaRPr lang="de-CH" dirty="0"/>
+          </a:p>
+        </p:txBody>
+      </p:sp>
+      <p:sp>
+        <p:nvSpPr>
+          <p:cNvPr id="4" name="Foliennummernplatzhalter 3"/>
+          <p:cNvSpPr>
+            <a:spLocks noGrp="1"/>
+          </p:cNvSpPr>
+          <p:nvPr>
+            <p:ph type="sldNum" sz="quarter" idx="10"/>
+          </p:nvPr>
+        </p:nvSpPr>
+        <p:spPr/>
+        <p:txBody>
+          <a:bodyPr/>
+          <a:lstStyle/>
+          <a:p>
+            <a:fld id="{6EF20B0F-E6B9-4CD6-95D5-6D8989F300DE}" type="slidenum">
+              <a:rPr lang="de-CH" smtClean="0"/>
+              <a:t>5</a:t>
+            </a:fld>
+            <a:endParaRPr lang="de-CH"/>
+          </a:p>
+        </p:txBody>
+      </p:sp>
+    </p:spTree>
+    <p:extLst>
+      <p:ext uri="{BB962C8B-B14F-4D97-AF65-F5344CB8AC3E}">
+        <p14:creationId xmlns:p14="http://schemas.microsoft.com/office/powerpoint/2010/main" val="721268685"/>
+      </p:ext>
+    </p:extLst>
+  </p:cSld>
+  <p:clrMapOvr>
+    <a:masterClrMapping/>
+  </p:clrMapOvr>
+</p:notes>
+</file>
+
+<file path=ppt/notesSlides/notesSlide6.xml><?xml version="1.0" encoding="utf-8"?>
+<p:notes xmlns:a="http://schemas.openxmlformats.org/drawingml/2006/main" xmlns:r="http://schemas.openxmlformats.org/officeDocument/2006/relationships" xmlns:p="http://schemas.openxmlformats.org/presentationml/2006/main">
+  <p:cSld>
+    <p:spTree>
+      <p:nvGrpSpPr>
+        <p:cNvPr id="1" name=""/>
+        <p:cNvGrpSpPr/>
+        <p:nvPr/>
+      </p:nvGrpSpPr>
+      <p:grpSpPr>
+        <a:xfrm>
+          <a:off x="0" y="0"/>
+          <a:ext cx="0" cy="0"/>
+          <a:chOff x="0" y="0"/>
+          <a:chExt cx="0" cy="0"/>
+        </a:xfrm>
+      </p:grpSpPr>
+      <p:sp>
+        <p:nvSpPr>
+          <p:cNvPr id="2" name="Folienbildplatzhalter 1"/>
+          <p:cNvSpPr>
+            <a:spLocks noGrp="1" noRot="1" noChangeAspect="1"/>
+          </p:cNvSpPr>
+          <p:nvPr>
+            <p:ph type="sldImg"/>
+          </p:nvPr>
+        </p:nvSpPr>
+        <p:spPr/>
+      </p:sp>
+      <p:sp>
+        <p:nvSpPr>
+          <p:cNvPr id="3" name="Notizenplatzhalter 2"/>
+          <p:cNvSpPr>
+            <a:spLocks noGrp="1"/>
+          </p:cNvSpPr>
+          <p:nvPr>
+            <p:ph type="body" idx="1"/>
+          </p:nvPr>
+        </p:nvSpPr>
+        <p:spPr/>
+        <p:txBody>
+          <a:bodyPr/>
+          <a:lstStyle/>
+          <a:p>
+            <a:r>
+              <a:rPr lang="en-US" dirty="0"/>
+              <a:t>Joy</a:t>
+            </a:r>
+            <a:endParaRPr lang="de-CH" dirty="0"/>
+          </a:p>
+        </p:txBody>
+      </p:sp>
+      <p:sp>
+        <p:nvSpPr>
+          <p:cNvPr id="4" name="Foliennummernplatzhalter 3"/>
+          <p:cNvSpPr>
+            <a:spLocks noGrp="1"/>
+          </p:cNvSpPr>
+          <p:nvPr>
+            <p:ph type="sldNum" sz="quarter" idx="10"/>
+          </p:nvPr>
+        </p:nvSpPr>
+        <p:spPr/>
+        <p:txBody>
+          <a:bodyPr/>
+          <a:lstStyle/>
+          <a:p>
+            <a:fld id="{6EF20B0F-E6B9-4CD6-95D5-6D8989F300DE}" type="slidenum">
+              <a:rPr lang="de-CH" smtClean="0"/>
+              <a:t>6</a:t>
+            </a:fld>
+            <a:endParaRPr lang="de-CH"/>
+          </a:p>
+        </p:txBody>
+      </p:sp>
+    </p:spTree>
+    <p:extLst>
+      <p:ext uri="{BB962C8B-B14F-4D97-AF65-F5344CB8AC3E}">
+        <p14:creationId xmlns:p14="http://schemas.microsoft.com/office/powerpoint/2010/main" val="3515245944"/>
+      </p:ext>
+    </p:extLst>
+  </p:cSld>
+  <p:clrMapOvr>
+    <a:masterClrMapping/>
+  </p:clrMapOvr>
+</p:notes>
+</file>
+
+<file path=ppt/notesSlides/notesSlide7.xml><?xml version="1.0" encoding="utf-8"?>
+<p:notes xmlns:a="http://schemas.openxmlformats.org/drawingml/2006/main" xmlns:r="http://schemas.openxmlformats.org/officeDocument/2006/relationships" xmlns:p="http://schemas.openxmlformats.org/presentationml/2006/main">
+  <p:cSld>
+    <p:spTree>
+      <p:nvGrpSpPr>
+        <p:cNvPr id="1" name=""/>
+        <p:cNvGrpSpPr/>
+        <p:nvPr/>
+      </p:nvGrpSpPr>
+      <p:grpSpPr>
+        <a:xfrm>
+          <a:off x="0" y="0"/>
+          <a:ext cx="0" cy="0"/>
+          <a:chOff x="0" y="0"/>
+          <a:chExt cx="0" cy="0"/>
+        </a:xfrm>
+      </p:grpSpPr>
+      <p:sp>
+        <p:nvSpPr>
+          <p:cNvPr id="2" name="Folienbildplatzhalter 1"/>
+          <p:cNvSpPr>
+            <a:spLocks noGrp="1" noRot="1" noChangeAspect="1"/>
+          </p:cNvSpPr>
+          <p:nvPr>
+            <p:ph type="sldImg"/>
+          </p:nvPr>
+        </p:nvSpPr>
+        <p:spPr/>
+      </p:sp>
+      <p:sp>
+        <p:nvSpPr>
+          <p:cNvPr id="3" name="Notizenplatzhalter 2"/>
+          <p:cNvSpPr>
+            <a:spLocks noGrp="1"/>
+          </p:cNvSpPr>
+          <p:nvPr>
+            <p:ph type="body" idx="1"/>
+          </p:nvPr>
+        </p:nvSpPr>
+        <p:spPr/>
+        <p:txBody>
+          <a:bodyPr/>
+          <a:lstStyle/>
+          <a:p>
+            <a:r>
+              <a:rPr lang="en-US" dirty="0"/>
+              <a:t>Yves</a:t>
+            </a:r>
+            <a:endParaRPr lang="de-CH" dirty="0"/>
+          </a:p>
+        </p:txBody>
+      </p:sp>
+      <p:sp>
+        <p:nvSpPr>
+          <p:cNvPr id="4" name="Foliennummernplatzhalter 3"/>
+          <p:cNvSpPr>
+            <a:spLocks noGrp="1"/>
+          </p:cNvSpPr>
+          <p:nvPr>
+            <p:ph type="sldNum" sz="quarter" idx="10"/>
+          </p:nvPr>
+        </p:nvSpPr>
+        <p:spPr/>
+        <p:txBody>
+          <a:bodyPr/>
+          <a:lstStyle/>
+          <a:p>
+            <a:fld id="{6EF20B0F-E6B9-4CD6-95D5-6D8989F300DE}" type="slidenum">
+              <a:rPr lang="de-CH" smtClean="0"/>
+              <a:t>7</a:t>
+            </a:fld>
+            <a:endParaRPr lang="de-CH"/>
+          </a:p>
+        </p:txBody>
+      </p:sp>
+    </p:spTree>
+    <p:extLst>
+      <p:ext uri="{BB962C8B-B14F-4D97-AF65-F5344CB8AC3E}">
+        <p14:creationId xmlns:p14="http://schemas.microsoft.com/office/powerpoint/2010/main" val="1064686206"/>
+      </p:ext>
+    </p:extLst>
+  </p:cSld>
+  <p:clrMapOvr>
+    <a:masterClrMapping/>
+  </p:clrMapOvr>
+</p:notes>
+</file>
+
+<file path=ppt/notesSlides/notesSlide8.xml><?xml version="1.0" encoding="utf-8"?>
+<p:notes xmlns:a="http://schemas.openxmlformats.org/drawingml/2006/main" xmlns:r="http://schemas.openxmlformats.org/officeDocument/2006/relationships" xmlns:p="http://schemas.openxmlformats.org/presentationml/2006/main">
+  <p:cSld>
+    <p:spTree>
+      <p:nvGrpSpPr>
+        <p:cNvPr id="1" name=""/>
+        <p:cNvGrpSpPr/>
+        <p:nvPr/>
+      </p:nvGrpSpPr>
+      <p:grpSpPr>
+        <a:xfrm>
+          <a:off x="0" y="0"/>
+          <a:ext cx="0" cy="0"/>
+          <a:chOff x="0" y="0"/>
+          <a:chExt cx="0" cy="0"/>
+        </a:xfrm>
+      </p:grpSpPr>
+      <p:sp>
+        <p:nvSpPr>
+          <p:cNvPr id="2" name="Folienbildplatzhalter 1"/>
+          <p:cNvSpPr>
+            <a:spLocks noGrp="1" noRot="1" noChangeAspect="1"/>
+          </p:cNvSpPr>
+          <p:nvPr>
+            <p:ph type="sldImg"/>
+          </p:nvPr>
+        </p:nvSpPr>
+        <p:spPr/>
+      </p:sp>
+      <p:sp>
+        <p:nvSpPr>
+          <p:cNvPr id="3" name="Notizenplatzhalter 2"/>
+          <p:cNvSpPr>
+            <a:spLocks noGrp="1"/>
+          </p:cNvSpPr>
+          <p:nvPr>
+            <p:ph type="body" idx="1"/>
+          </p:nvPr>
+        </p:nvSpPr>
+        <p:spPr/>
+        <p:txBody>
+          <a:bodyPr/>
+          <a:lstStyle/>
+          <a:p>
+            <a:r>
+              <a:rPr lang="en-US" dirty="0"/>
+              <a:t>Joy</a:t>
+            </a:r>
+          </a:p>
+          <a:p>
+            <a:r>
+              <a:rPr lang="en-US" dirty="0"/>
+              <a:t>Patient muss </a:t>
+            </a:r>
+            <a:r>
+              <a:rPr lang="en-US" dirty="0" err="1"/>
+              <a:t>gleich</a:t>
+            </a:r>
+            <a:r>
+              <a:rPr lang="en-US" dirty="0"/>
+              <a:t> </a:t>
+            </a:r>
+            <a:r>
+              <a:rPr lang="en-US" dirty="0" err="1"/>
+              <a:t>viel</a:t>
+            </a:r>
+            <a:r>
+              <a:rPr lang="en-US" dirty="0"/>
+              <a:t> </a:t>
+            </a:r>
+            <a:r>
+              <a:rPr lang="en-US" dirty="0" err="1"/>
+              <a:t>sehen</a:t>
+            </a:r>
+            <a:r>
+              <a:rPr lang="en-US" dirty="0"/>
+              <a:t> </a:t>
+            </a:r>
+            <a:r>
+              <a:rPr lang="en-US" dirty="0" err="1"/>
+              <a:t>können</a:t>
+            </a:r>
+            <a:r>
+              <a:rPr lang="en-US" dirty="0"/>
+              <a:t> </a:t>
+            </a:r>
+            <a:r>
+              <a:rPr lang="en-US" dirty="0" err="1"/>
+              <a:t>wie</a:t>
+            </a:r>
+            <a:r>
+              <a:rPr lang="en-US" dirty="0"/>
+              <a:t> Relatives</a:t>
+            </a:r>
+          </a:p>
+          <a:p>
+            <a:r>
+              <a:rPr lang="en-US" dirty="0"/>
+              <a:t>Interview hat </a:t>
+            </a:r>
+            <a:r>
+              <a:rPr lang="en-US" dirty="0" err="1"/>
+              <a:t>sehr</a:t>
+            </a:r>
+            <a:r>
+              <a:rPr lang="en-US" dirty="0"/>
+              <a:t> </a:t>
+            </a:r>
+            <a:r>
+              <a:rPr lang="en-US" dirty="0" err="1"/>
+              <a:t>geholfen</a:t>
+            </a:r>
+            <a:endParaRPr lang="en-US" dirty="0"/>
+          </a:p>
+          <a:p>
+            <a:r>
+              <a:rPr lang="en-US" dirty="0" err="1"/>
+              <a:t>überwachung</a:t>
+            </a:r>
+            <a:endParaRPr lang="de-CH" dirty="0"/>
+          </a:p>
+        </p:txBody>
+      </p:sp>
+      <p:sp>
+        <p:nvSpPr>
+          <p:cNvPr id="4" name="Foliennummernplatzhalter 3"/>
+          <p:cNvSpPr>
+            <a:spLocks noGrp="1"/>
+          </p:cNvSpPr>
+          <p:nvPr>
+            <p:ph type="sldNum" sz="quarter" idx="10"/>
+          </p:nvPr>
+        </p:nvSpPr>
+        <p:spPr/>
+        <p:txBody>
+          <a:bodyPr/>
+          <a:lstStyle/>
+          <a:p>
+            <a:fld id="{6EF20B0F-E6B9-4CD6-95D5-6D8989F300DE}" type="slidenum">
+              <a:rPr lang="de-CH" smtClean="0"/>
+              <a:t>8</a:t>
+            </a:fld>
+            <a:endParaRPr lang="de-CH"/>
+          </a:p>
+        </p:txBody>
+      </p:sp>
+    </p:spTree>
+    <p:extLst>
+      <p:ext uri="{BB962C8B-B14F-4D97-AF65-F5344CB8AC3E}">
+        <p14:creationId xmlns:p14="http://schemas.microsoft.com/office/powerpoint/2010/main" val="3139280274"/>
+      </p:ext>
+    </p:extLst>
+  </p:cSld>
+  <p:clrMapOvr>
+    <a:masterClrMapping/>
+  </p:clrMapOvr>
+</p:notes>
 </file>
 
 <file path=ppt/slideLayouts/slideLayout1.xml><?xml version="1.0" encoding="utf-8"?>
@@ -3204,12 +4429,12 @@
         <p:spPr>
           <a:xfrm>
             <a:off x="838200" y="1825625"/>
-            <a:ext cx="6055895" cy="4351338"/>
+            <a:ext cx="6216585" cy="4351338"/>
           </a:xfrm>
         </p:spPr>
         <p:txBody>
           <a:bodyPr>
-            <a:normAutofit fontScale="92500"/>
+            <a:normAutofit fontScale="92500" lnSpcReduction="20000"/>
           </a:bodyPr>
           <a:lstStyle/>
           <a:p>
@@ -3217,10 +4442,7 @@
               <a:rPr lang="en-US" b="1" dirty="0"/>
               <a:t>basic user data</a:t>
             </a:r>
-            <a:r>
-              <a:rPr lang="en-US" dirty="0"/>
-              <a:t>: Provide basic information about the patient and the relatives</a:t>
-            </a:r>
+            <a:endParaRPr lang="en-US" dirty="0"/>
           </a:p>
           <a:p>
             <a:pPr marL="0" indent="0">
@@ -3233,13 +4455,11 @@
               <a:rPr lang="en-US" b="1" dirty="0"/>
               <a:t>information &amp; notification</a:t>
             </a:r>
-            <a:r>
-              <a:rPr lang="en-US" dirty="0"/>
-              <a:t>: Standardized data exchange between medical staff and relatives</a:t>
-            </a:r>
-            <a:endParaRPr lang="en-US" b="1" dirty="0"/>
-          </a:p>
-          <a:p>
+          </a:p>
+          <a:p>
+            <a:pPr marL="0" indent="0">
+              <a:buNone/>
+            </a:pPr>
             <a:endParaRPr lang="en-US" dirty="0"/>
           </a:p>
           <a:p>
@@ -3247,10 +4467,119 @@
               <a:rPr lang="en-US" b="1" dirty="0"/>
               <a:t>activity tracking</a:t>
             </a:r>
-            <a:r>
-              <a:rPr lang="en-US" dirty="0"/>
-              <a:t>: Consistent history of the patients activities to improve the medical treatment by the staff</a:t>
-            </a:r>
+          </a:p>
+          <a:p>
+            <a:endParaRPr lang="en-US" b="1" dirty="0"/>
+          </a:p>
+          <a:p>
+            <a:pPr marL="0" indent="0">
+              <a:buNone/>
+            </a:pPr>
+            <a:r>
+              <a:rPr lang="en-GB" b="1" dirty="0"/>
+              <a:t>      minimize effort for medical staff &amp;</a:t>
+            </a:r>
+          </a:p>
+          <a:p>
+            <a:pPr marL="0" indent="0">
+              <a:buNone/>
+            </a:pPr>
+            <a:r>
+              <a:rPr lang="en-GB" b="1" dirty="0"/>
+              <a:t>      administration</a:t>
+            </a:r>
+          </a:p>
+          <a:p>
+            <a:endParaRPr lang="en-GB" dirty="0"/>
+          </a:p>
+          <a:p>
+            <a:pPr marL="0" indent="0">
+              <a:buNone/>
+            </a:pPr>
+            <a:r>
+              <a:rPr lang="en-GB" b="1" dirty="0"/>
+              <a:t>       support relatives in their daily business</a:t>
+            </a:r>
+          </a:p>
+        </p:txBody>
+      </p:sp>
+      <p:sp>
+        <p:nvSpPr>
+          <p:cNvPr id="6" name="Stern: 5 Zacken 5"/>
+          <p:cNvSpPr/>
+          <p:nvPr/>
+        </p:nvSpPr>
+        <p:spPr>
+          <a:xfrm>
+            <a:off x="525379" y="4235050"/>
+            <a:ext cx="625642" cy="625642"/>
+          </a:xfrm>
+          <a:prstGeom prst="star5">
+            <a:avLst/>
+          </a:prstGeom>
+        </p:spPr>
+        <p:style>
+          <a:lnRef idx="2">
+            <a:schemeClr val="accent1">
+              <a:shade val="50000"/>
+            </a:schemeClr>
+          </a:lnRef>
+          <a:fillRef idx="1">
+            <a:schemeClr val="accent1"/>
+          </a:fillRef>
+          <a:effectRef idx="0">
+            <a:schemeClr val="accent1"/>
+          </a:effectRef>
+          <a:fontRef idx="minor">
+            <a:schemeClr val="lt1"/>
+          </a:fontRef>
+        </p:style>
+        <p:txBody>
+          <a:bodyPr rtlCol="0" anchor="ctr"/>
+          <a:lstStyle/>
+          <a:p>
+            <a:pPr algn="ctr"/>
+            <a:endParaRPr lang="de-CH"/>
+          </a:p>
+        </p:txBody>
+      </p:sp>
+      <p:sp>
+        <p:nvSpPr>
+          <p:cNvPr id="10" name="Stern: 5 Zacken 9"/>
+          <p:cNvSpPr/>
+          <p:nvPr/>
+        </p:nvSpPr>
+        <p:spPr>
+          <a:xfrm>
+            <a:off x="525379" y="5206006"/>
+            <a:ext cx="625642" cy="625642"/>
+          </a:xfrm>
+          <a:prstGeom prst="star5">
+            <a:avLst/>
+          </a:prstGeom>
+        </p:spPr>
+        <p:style>
+          <a:lnRef idx="2">
+            <a:schemeClr val="accent1">
+              <a:shade val="50000"/>
+            </a:schemeClr>
+          </a:lnRef>
+          <a:fillRef idx="1">
+            <a:schemeClr val="accent1"/>
+          </a:fillRef>
+          <a:effectRef idx="0">
+            <a:schemeClr val="accent1"/>
+          </a:effectRef>
+          <a:fontRef idx="minor">
+            <a:schemeClr val="lt1"/>
+          </a:fontRef>
+        </p:style>
+        <p:txBody>
+          <a:bodyPr rtlCol="0" anchor="ctr"/>
+          <a:lstStyle/>
+          <a:p>
+            <a:pPr algn="ctr"/>
+            <a:endParaRPr lang="de-CH"/>
           </a:p>
         </p:txBody>
       </p:sp>
@@ -3453,10 +4782,7 @@
               <a:rPr lang="en-US" b="1" dirty="0"/>
               <a:t>creating user accounts</a:t>
             </a:r>
-            <a:r>
-              <a:rPr lang="en-US" dirty="0"/>
-              <a:t>: This feature is subject to the administration office</a:t>
-            </a:r>
+            <a:endParaRPr lang="en-US" dirty="0"/>
           </a:p>
           <a:p>
             <a:pPr marL="0" indent="0">
@@ -3469,9 +4795,33 @@
               <a:rPr lang="en-US" b="1" dirty="0"/>
               <a:t>sensitive information</a:t>
             </a:r>
-            <a:r>
-              <a:rPr lang="en-US" dirty="0"/>
-              <a:t>: The app doesn’t provide sensitive data to match with the medical confidentiality law</a:t>
+          </a:p>
+          <a:p>
+            <a:endParaRPr lang="en-US" b="1" dirty="0"/>
+          </a:p>
+          <a:p>
+            <a:pPr marL="0" indent="0">
+              <a:buNone/>
+            </a:pPr>
+            <a:r>
+              <a:rPr lang="en-US" b="1" strike="sngStrike" dirty="0"/>
+              <a:t>monitoring</a:t>
+            </a:r>
+            <a:endParaRPr lang="en-US" strike="sngStrike" dirty="0"/>
+          </a:p>
+          <a:p>
+            <a:pPr marL="0" indent="0">
+              <a:buNone/>
+            </a:pPr>
+            <a:endParaRPr lang="en-US" b="1" dirty="0"/>
+          </a:p>
+          <a:p>
+            <a:pPr marL="0" indent="0">
+              <a:buNone/>
+            </a:pPr>
+            <a:r>
+              <a:rPr lang="en-US" b="1" strike="sngStrike" dirty="0"/>
+              <a:t>sharing information between relatives </a:t>
             </a:r>
           </a:p>
         </p:txBody>
@@ -3522,278 +4872,6 @@
           <a:lstStyle/>
           <a:p>
             <a:r>
-              <a:rPr lang="de-CH" b="1" dirty="0" err="1"/>
-              <a:t>Scoping</a:t>
-            </a:r>
-            <a:r>
-              <a:rPr lang="de-CH" b="1" dirty="0"/>
-              <a:t> – </a:t>
-            </a:r>
-            <a:r>
-              <a:rPr lang="de-CH" b="1" dirty="0" err="1"/>
-              <a:t>goals</a:t>
-            </a:r>
-            <a:endParaRPr lang="de-CH" b="1" dirty="0"/>
-          </a:p>
-        </p:txBody>
-      </p:sp>
-      <p:sp>
-        <p:nvSpPr>
-          <p:cNvPr id="10" name="Content Placeholder 2"/>
-          <p:cNvSpPr>
-            <a:spLocks noGrp="1"/>
-          </p:cNvSpPr>
-          <p:nvPr>
-            <p:ph idx="1"/>
-          </p:nvPr>
-        </p:nvSpPr>
-        <p:spPr>
-          <a:xfrm>
-            <a:off x="1776663" y="1825625"/>
-            <a:ext cx="9577137" cy="4659396"/>
-          </a:xfrm>
-        </p:spPr>
-        <p:txBody>
-          <a:bodyPr>
-            <a:normAutofit/>
-          </a:bodyPr>
-          <a:lstStyle/>
-          <a:p>
-            <a:pPr marL="0" indent="0">
-              <a:buNone/>
-            </a:pPr>
-            <a:r>
-              <a:rPr lang="en-US" b="1" dirty="0"/>
-              <a:t>easy to use</a:t>
-            </a:r>
-            <a:endParaRPr lang="en-US" dirty="0"/>
-          </a:p>
-          <a:p>
-            <a:pPr marL="0" indent="0">
-              <a:buNone/>
-            </a:pPr>
-            <a:endParaRPr lang="en-US" b="1" dirty="0"/>
-          </a:p>
-          <a:p>
-            <a:pPr marL="0" indent="0">
-              <a:buNone/>
-            </a:pPr>
-            <a:r>
-              <a:rPr lang="en-US" b="1" dirty="0"/>
-              <a:t>minimize effort for medical staff &amp; administration</a:t>
-            </a:r>
-          </a:p>
-          <a:p>
-            <a:endParaRPr lang="en-US" dirty="0"/>
-          </a:p>
-          <a:p>
-            <a:pPr marL="0" indent="0">
-              <a:buNone/>
-            </a:pPr>
-            <a:r>
-              <a:rPr lang="en-US" b="1" dirty="0"/>
-              <a:t>support relatives in their daily business</a:t>
-            </a:r>
-          </a:p>
-          <a:p>
-            <a:pPr marL="0" indent="0">
-              <a:buNone/>
-            </a:pPr>
-            <a:endParaRPr lang="en-US" b="1" dirty="0"/>
-          </a:p>
-          <a:p>
-            <a:pPr marL="0" indent="0">
-              <a:buNone/>
-            </a:pPr>
-            <a:r>
-              <a:rPr lang="en-US" b="1" strike="sngStrike" dirty="0"/>
-              <a:t>monitoring</a:t>
-            </a:r>
-            <a:endParaRPr lang="en-US" strike="sngStrike" dirty="0"/>
-          </a:p>
-          <a:p>
-            <a:pPr marL="0" indent="0">
-              <a:buNone/>
-            </a:pPr>
-            <a:endParaRPr lang="en-US" b="1" dirty="0"/>
-          </a:p>
-          <a:p>
-            <a:pPr marL="0" indent="0">
-              <a:buNone/>
-            </a:pPr>
-            <a:r>
-              <a:rPr lang="en-US" b="1" strike="sngStrike" dirty="0"/>
-              <a:t>sharing information between relatives </a:t>
-            </a:r>
-          </a:p>
-        </p:txBody>
-      </p:sp>
-      <p:sp>
-        <p:nvSpPr>
-          <p:cNvPr id="4" name="Stern: 5 Zacken 3"/>
-          <p:cNvSpPr/>
-          <p:nvPr/>
-        </p:nvSpPr>
-        <p:spPr>
-          <a:xfrm>
-            <a:off x="838200" y="1690688"/>
-            <a:ext cx="625642" cy="625642"/>
-          </a:xfrm>
-          <a:prstGeom prst="star5">
-            <a:avLst/>
-          </a:prstGeom>
-        </p:spPr>
-        <p:style>
-          <a:lnRef idx="2">
-            <a:schemeClr val="accent1">
-              <a:shade val="50000"/>
-            </a:schemeClr>
-          </a:lnRef>
-          <a:fillRef idx="1">
-            <a:schemeClr val="accent1"/>
-          </a:fillRef>
-          <a:effectRef idx="0">
-            <a:schemeClr val="accent1"/>
-          </a:effectRef>
-          <a:fontRef idx="minor">
-            <a:schemeClr val="lt1"/>
-          </a:fontRef>
-        </p:style>
-        <p:txBody>
-          <a:bodyPr rtlCol="0" anchor="ctr"/>
-          <a:lstStyle/>
-          <a:p>
-            <a:pPr algn="ctr"/>
-            <a:endParaRPr lang="de-CH"/>
-          </a:p>
-        </p:txBody>
-      </p:sp>
-      <p:sp>
-        <p:nvSpPr>
-          <p:cNvPr id="9" name="Stern: 5 Zacken 8"/>
-          <p:cNvSpPr/>
-          <p:nvPr/>
-        </p:nvSpPr>
-        <p:spPr>
-          <a:xfrm>
-            <a:off x="838200" y="2703430"/>
-            <a:ext cx="625642" cy="625642"/>
-          </a:xfrm>
-          <a:prstGeom prst="star5">
-            <a:avLst/>
-          </a:prstGeom>
-        </p:spPr>
-        <p:style>
-          <a:lnRef idx="2">
-            <a:schemeClr val="accent1">
-              <a:shade val="50000"/>
-            </a:schemeClr>
-          </a:lnRef>
-          <a:fillRef idx="1">
-            <a:schemeClr val="accent1"/>
-          </a:fillRef>
-          <a:effectRef idx="0">
-            <a:schemeClr val="accent1"/>
-          </a:effectRef>
-          <a:fontRef idx="minor">
-            <a:schemeClr val="lt1"/>
-          </a:fontRef>
-        </p:style>
-        <p:txBody>
-          <a:bodyPr rtlCol="0" anchor="ctr"/>
-          <a:lstStyle/>
-          <a:p>
-            <a:pPr algn="ctr"/>
-            <a:endParaRPr lang="de-CH"/>
-          </a:p>
-        </p:txBody>
-      </p:sp>
-      <p:sp>
-        <p:nvSpPr>
-          <p:cNvPr id="11" name="Stern: 5 Zacken 10"/>
-          <p:cNvSpPr/>
-          <p:nvPr/>
-        </p:nvSpPr>
-        <p:spPr>
-          <a:xfrm>
-            <a:off x="838200" y="3716172"/>
-            <a:ext cx="625642" cy="625642"/>
-          </a:xfrm>
-          <a:prstGeom prst="star5">
-            <a:avLst/>
-          </a:prstGeom>
-        </p:spPr>
-        <p:style>
-          <a:lnRef idx="2">
-            <a:schemeClr val="accent1">
-              <a:shade val="50000"/>
-            </a:schemeClr>
-          </a:lnRef>
-          <a:fillRef idx="1">
-            <a:schemeClr val="accent1"/>
-          </a:fillRef>
-          <a:effectRef idx="0">
-            <a:schemeClr val="accent1"/>
-          </a:effectRef>
-          <a:fontRef idx="minor">
-            <a:schemeClr val="lt1"/>
-          </a:fontRef>
-        </p:style>
-        <p:txBody>
-          <a:bodyPr rtlCol="0" anchor="ctr"/>
-          <a:lstStyle/>
-          <a:p>
-            <a:pPr algn="ctr"/>
-            <a:endParaRPr lang="de-CH"/>
-          </a:p>
-        </p:txBody>
-      </p:sp>
-    </p:spTree>
-    <p:extLst>
-      <p:ext uri="{BB962C8B-B14F-4D97-AF65-F5344CB8AC3E}">
-        <p14:creationId xmlns:p14="http://schemas.microsoft.com/office/powerpoint/2010/main" val="1856580549"/>
-      </p:ext>
-    </p:extLst>
-  </p:cSld>
-  <p:clrMapOvr>
-    <a:masterClrMapping/>
-  </p:clrMapOvr>
-</p:sld>
-</file>
-
-<file path=ppt/slides/slide5.xml><?xml version="1.0" encoding="utf-8"?>
-<p:sld xmlns:a="http://schemas.openxmlformats.org/drawingml/2006/main" xmlns:r="http://schemas.openxmlformats.org/officeDocument/2006/relationships" xmlns:p="http://schemas.openxmlformats.org/presentationml/2006/main">
-  <p:cSld>
-    <p:spTree>
-      <p:nvGrpSpPr>
-        <p:cNvPr id="1" name=""/>
-        <p:cNvGrpSpPr/>
-        <p:nvPr/>
-      </p:nvGrpSpPr>
-      <p:grpSpPr>
-        <a:xfrm>
-          <a:off x="0" y="0"/>
-          <a:ext cx="0" cy="0"/>
-          <a:chOff x="0" y="0"/>
-          <a:chExt cx="0" cy="0"/>
-        </a:xfrm>
-      </p:grpSpPr>
-      <p:sp>
-        <p:nvSpPr>
-          <p:cNvPr id="2" name="Title 1"/>
-          <p:cNvSpPr>
-            <a:spLocks noGrp="1"/>
-          </p:cNvSpPr>
-          <p:nvPr>
-            <p:ph type="title"/>
-          </p:nvPr>
-        </p:nvSpPr>
-        <p:spPr/>
-        <p:txBody>
-          <a:bodyPr/>
-          <a:lstStyle/>
-          <a:p>
-            <a:r>
               <a:rPr lang="de-CH" b="1" dirty="0"/>
               <a:t>Research</a:t>
             </a:r>
@@ -3870,7 +4948,7 @@
           <p:nvPr/>
         </p:nvPicPr>
         <p:blipFill>
-          <a:blip r:embed="rId2">
+          <a:blip r:embed="rId3">
             <a:extLst>
               <a:ext uri="{28A0092B-C50C-407E-A947-70E740481C1C}">
                 <a14:useLocalDpi xmlns:a14="http://schemas.microsoft.com/office/drawing/2010/main" val="0"/>
@@ -3904,7 +4982,7 @@
 </p:sld>
 </file>
 
-<file path=ppt/slides/slide6.xml><?xml version="1.0" encoding="utf-8"?>
+<file path=ppt/slides/slide5.xml><?xml version="1.0" encoding="utf-8"?>
 <p:sld xmlns:a="http://schemas.openxmlformats.org/drawingml/2006/main" xmlns:r="http://schemas.openxmlformats.org/officeDocument/2006/relationships" xmlns:p="http://schemas.openxmlformats.org/presentationml/2006/main">
   <p:cSld>
     <p:spTree>
@@ -4014,7 +5092,7 @@
           <p:nvPr/>
         </p:nvPicPr>
         <p:blipFill>
-          <a:blip r:embed="rId2">
+          <a:blip r:embed="rId3">
             <a:extLst>
               <a:ext uri="{28A0092B-C50C-407E-A947-70E740481C1C}">
                 <a14:useLocalDpi xmlns:a14="http://schemas.microsoft.com/office/drawing/2010/main" val="0"/>
@@ -4055,7 +5133,7 @@
           <p:nvPr/>
         </p:nvPicPr>
         <p:blipFill>
-          <a:blip r:embed="rId3">
+          <a:blip r:embed="rId4">
             <a:extLst>
               <a:ext uri="{28A0092B-C50C-407E-A947-70E740481C1C}">
                 <a14:useLocalDpi xmlns:a14="http://schemas.microsoft.com/office/drawing/2010/main" val="0"/>
@@ -4139,7 +5217,7 @@
 </p:sld>
 </file>
 
-<file path=ppt/slides/slide7.xml><?xml version="1.0" encoding="utf-8"?>
+<file path=ppt/slides/slide6.xml><?xml version="1.0" encoding="utf-8"?>
 <p:sld xmlns:a="http://schemas.openxmlformats.org/drawingml/2006/main" xmlns:r="http://schemas.openxmlformats.org/officeDocument/2006/relationships" xmlns:p="http://schemas.openxmlformats.org/presentationml/2006/main">
   <p:cSld>
     <p:spTree>
@@ -4192,7 +5270,7 @@
           <p:nvPr/>
         </p:nvPicPr>
         <p:blipFill rotWithShape="1">
-          <a:blip r:embed="rId2">
+          <a:blip r:embed="rId3">
             <a:extLst>
               <a:ext uri="{28A0092B-C50C-407E-A947-70E740481C1C}">
                 <a14:useLocalDpi xmlns:a14="http://schemas.microsoft.com/office/drawing/2010/main" val="0"/>
@@ -4235,7 +5313,7 @@
 </p:sld>
 </file>
 
-<file path=ppt/slides/slide8.xml><?xml version="1.0" encoding="utf-8"?>
+<file path=ppt/slides/slide7.xml><?xml version="1.0" encoding="utf-8"?>
 <p:sld xmlns:a="http://schemas.openxmlformats.org/drawingml/2006/main" xmlns:r="http://schemas.openxmlformats.org/officeDocument/2006/relationships" xmlns:p="http://schemas.openxmlformats.org/presentationml/2006/main">
   <p:cSld>
     <p:spTree>
@@ -4288,7 +5366,7 @@
           <p:nvPr/>
         </p:nvPicPr>
         <p:blipFill>
-          <a:blip r:embed="rId2">
+          <a:blip r:embed="rId3">
             <a:extLst>
               <a:ext uri="{28A0092B-C50C-407E-A947-70E740481C1C}">
                 <a14:useLocalDpi xmlns:a14="http://schemas.microsoft.com/office/drawing/2010/main" val="0"/>
@@ -4302,8 +5380,8 @@
         </p:blipFill>
         <p:spPr bwMode="auto">
           <a:xfrm>
-            <a:off x="2736043" y="1287379"/>
-            <a:ext cx="6719914" cy="5285624"/>
+            <a:off x="2944584" y="1402079"/>
+            <a:ext cx="6302831" cy="4957563"/>
           </a:xfrm>
           <a:prstGeom prst="rect">
             <a:avLst/>
@@ -4333,7 +5411,7 @@
 </p:sld>
 </file>
 
-<file path=ppt/slides/slide9.xml><?xml version="1.0" encoding="utf-8"?>
+<file path=ppt/slides/slide8.xml><?xml version="1.0" encoding="utf-8"?>
 <p:sld xmlns:a="http://schemas.openxmlformats.org/drawingml/2006/main" xmlns:r="http://schemas.openxmlformats.org/officeDocument/2006/relationships" xmlns:p="http://schemas.openxmlformats.org/presentationml/2006/main">
   <p:cSld>
     <p:spTree>
@@ -4366,103 +5444,13 @@
           <a:lstStyle/>
           <a:p>
             <a:r>
-              <a:rPr lang="de-CH" b="1" dirty="0"/>
-              <a:t>Fazit</a:t>
-            </a:r>
-          </a:p>
-        </p:txBody>
-      </p:sp>
-      <p:sp>
-        <p:nvSpPr>
-          <p:cNvPr id="9" name="Content Placeholder 2"/>
-          <p:cNvSpPr>
-            <a:spLocks noGrp="1"/>
-          </p:cNvSpPr>
-          <p:nvPr>
-            <p:ph idx="1"/>
-          </p:nvPr>
-        </p:nvSpPr>
-        <p:spPr>
-          <a:xfrm>
-            <a:off x="838200" y="1825625"/>
-            <a:ext cx="8017042" cy="4351338"/>
-          </a:xfrm>
-        </p:spPr>
-        <p:txBody>
-          <a:bodyPr>
-            <a:normAutofit/>
-          </a:bodyPr>
-          <a:lstStyle/>
-          <a:p>
-            <a:r>
-              <a:rPr lang="en-US" b="1" dirty="0"/>
-              <a:t>brainstorming </a:t>
-            </a:r>
-          </a:p>
-          <a:p>
-            <a:endParaRPr lang="en-US" b="1" dirty="0"/>
-          </a:p>
-          <a:p>
-            <a:r>
-              <a:rPr lang="en-US" b="1" dirty="0"/>
-              <a:t>defined tasks for each team member</a:t>
-            </a:r>
-            <a:endParaRPr lang="en-US" dirty="0"/>
-          </a:p>
-          <a:p>
-            <a:pPr marL="0" indent="0">
-              <a:buNone/>
-            </a:pPr>
-            <a:endParaRPr lang="en-US" b="1" dirty="0"/>
-          </a:p>
-          <a:p>
-            <a:r>
-              <a:rPr lang="en-US" b="1" dirty="0"/>
-              <a:t>created notes for the interview</a:t>
-            </a:r>
-          </a:p>
-          <a:p>
-            <a:endParaRPr lang="en-US" dirty="0"/>
-          </a:p>
-          <a:p>
-            <a:r>
-              <a:rPr lang="en-US" b="1" dirty="0"/>
-              <a:t>defined storyboards</a:t>
-            </a:r>
-            <a:endParaRPr lang="en-US" dirty="0"/>
-          </a:p>
-        </p:txBody>
-      </p:sp>
-      <p:pic>
-        <p:nvPicPr>
-          <p:cNvPr id="3" name="Grafik 2" descr="Sobre o escândalo da Petrobrás, precisamos de mais lupa"/>
-          <p:cNvPicPr>
-            <a:picLocks noChangeAspect="1"/>
-          </p:cNvPicPr>
-          <p:nvPr/>
-        </p:nvPicPr>
-        <p:blipFill>
-          <a:blip r:embed="rId2">
-            <a:extLst>
-              <a:ext uri="{28A0092B-C50C-407E-A947-70E740481C1C}">
-                <a14:useLocalDpi xmlns:a14="http://schemas.microsoft.com/office/drawing/2010/main" val="0"/>
-              </a:ext>
-            </a:extLst>
-          </a:blip>
-          <a:stretch>
-            <a:fillRect/>
-          </a:stretch>
-        </p:blipFill>
-        <p:spPr>
-          <a:xfrm>
-            <a:off x="9577136" y="2458018"/>
-            <a:ext cx="2350168" cy="2379917"/>
-          </a:xfrm>
-          <a:prstGeom prst="rect">
-            <a:avLst/>
-          </a:prstGeom>
-        </p:spPr>
-      </p:pic>
+              <a:rPr lang="de-CH" b="1" dirty="0" err="1"/>
+              <a:t>Discussion</a:t>
+            </a:r>
+            <a:endParaRPr lang="de-CH" b="1" dirty="0"/>
+          </a:p>
+        </p:txBody>
+      </p:sp>
     </p:spTree>
     <p:extLst>
       <p:ext uri="{BB962C8B-B14F-4D97-AF65-F5344CB8AC3E}">
@@ -4769,4 +5757,299 @@
     </a:ext>
   </a:extLst>
 </a:theme>
+</file>
+
+<file path=ppt/theme/theme2.xml><?xml version="1.0" encoding="utf-8"?>
+<a:theme xmlns:a="http://schemas.openxmlformats.org/drawingml/2006/main" name="Office">
+  <a:themeElements>
+    <a:clrScheme name="Office">
+      <a:dk1>
+        <a:sysClr val="windowText" lastClr="000000"/>
+      </a:dk1>
+      <a:lt1>
+        <a:sysClr val="window" lastClr="FFFFFF"/>
+      </a:lt1>
+      <a:dk2>
+        <a:srgbClr val="44546A"/>
+      </a:dk2>
+      <a:lt2>
+        <a:srgbClr val="E7E6E6"/>
+      </a:lt2>
+      <a:accent1>
+        <a:srgbClr val="5B9BD5"/>
+      </a:accent1>
+      <a:accent2>
+        <a:srgbClr val="ED7D31"/>
+      </a:accent2>
+      <a:accent3>
+        <a:srgbClr val="A5A5A5"/>
+      </a:accent3>
+      <a:accent4>
+        <a:srgbClr val="FFC000"/>
+      </a:accent4>
+      <a:accent5>
+        <a:srgbClr val="4472C4"/>
+      </a:accent5>
+      <a:accent6>
+        <a:srgbClr val="70AD47"/>
+      </a:accent6>
+      <a:hlink>
+        <a:srgbClr val="0563C1"/>
+      </a:hlink>
+      <a:folHlink>
+        <a:srgbClr val="954F72"/>
+      </a:folHlink>
+    </a:clrScheme>
+    <a:fontScheme name="Office">
+      <a:majorFont>
+        <a:latin typeface="Calibri Light" panose="020F0302020204030204"/>
+        <a:ea typeface=""/>
+        <a:cs typeface=""/>
+        <a:font script="Jpan" typeface="游ゴシック Light"/>
+        <a:font script="Hang" typeface="맑은 고딕"/>
+        <a:font script="Hans" typeface="等线 Light"/>
+        <a:font script="Hant" typeface="新細明體"/>
+        <a:font script="Arab" typeface="Times New Roman"/>
+        <a:font script="Hebr" typeface="Times New Roman"/>
+        <a:font script="Thai" typeface="Angsana New"/>
+        <a:font script="Ethi" typeface="Nyala"/>
+        <a:font script="Beng" typeface="Vrinda"/>
+        <a:font script="Gujr" typeface="Shruti"/>
+        <a:font script="Khmr" typeface="MoolBoran"/>
+        <a:font script="Knda" typeface="Tunga"/>
+        <a:font script="Guru" typeface="Raavi"/>
+        <a:font script="Cans" typeface="Euphemia"/>
+        <a:font script="Cher" typeface="Plantagenet Cherokee"/>
+        <a:font script="Yiii" typeface="Microsoft Yi Baiti"/>
+        <a:font script="Tibt" typeface="Microsoft Himalaya"/>
+        <a:font script="Thaa" typeface="MV Boli"/>
+        <a:font script="Deva" typeface="Mangal"/>
+        <a:font script="Telu" typeface="Gautami"/>
+        <a:font script="Taml" typeface="Latha"/>
+        <a:font script="Syrc" typeface="Estrangelo Edessa"/>
+        <a:font script="Orya" typeface="Kalinga"/>
+        <a:font script="Mlym" typeface="Kartika"/>
+        <a:font script="Laoo" typeface="DokChampa"/>
+        <a:font script="Sinh" typeface="Iskoola Pota"/>
+        <a:font script="Mong" typeface="Mongolian Baiti"/>
+        <a:font script="Viet" typeface="Times New Roman"/>
+        <a:font script="Uigh" typeface="Microsoft Uighur"/>
+        <a:font script="Geor" typeface="Sylfaen"/>
+        <a:font script="Armn" typeface="Arial"/>
+        <a:font script="Bugi" typeface="Leelawadee UI"/>
+        <a:font script="Bopo" typeface="Microsoft JhengHei"/>
+        <a:font script="Java" typeface="Javanese Text"/>
+        <a:font script="Lisu" typeface="Segoe UI"/>
+        <a:font script="Mymr" typeface="Myanmar Text"/>
+        <a:font script="Nkoo" typeface="Ebrima"/>
+        <a:font script="Olck" typeface="Nirmala UI"/>
+        <a:font script="Osma" typeface="Ebrima"/>
+        <a:font script="Phag" typeface="Phagspa"/>
+        <a:font script="Syrn" typeface="Estrangelo Edessa"/>
+        <a:font script="Syrj" typeface="Estrangelo Edessa"/>
+        <a:font script="Syre" typeface="Estrangelo Edessa"/>
+        <a:font script="Sora" typeface="Nirmala UI"/>
+        <a:font script="Tale" typeface="Microsoft Tai Le"/>
+        <a:font script="Talu" typeface="Microsoft New Tai Lue"/>
+        <a:font script="Tfng" typeface="Ebrima"/>
+      </a:majorFont>
+      <a:minorFont>
+        <a:latin typeface="Calibri" panose="020F0502020204030204"/>
+        <a:ea typeface=""/>
+        <a:cs typeface=""/>
+        <a:font script="Jpan" typeface="游ゴシック"/>
+        <a:font script="Hang" typeface="맑은 고딕"/>
+        <a:font script="Hans" typeface="等线"/>
+        <a:font script="Hant" typeface="新細明體"/>
+        <a:font script="Arab" typeface="Arial"/>
+        <a:font script="Hebr" typeface="Arial"/>
+        <a:font script="Thai" typeface="Cordia New"/>
+        <a:font script="Ethi" typeface="Nyala"/>
+        <a:font script="Beng" typeface="Vrinda"/>
+        <a:font script="Gujr" typeface="Shruti"/>
+        <a:font script="Khmr" typeface="DaunPenh"/>
+        <a:font script="Knda" typeface="Tunga"/>
+        <a:font script="Guru" typeface="Raavi"/>
+        <a:font script="Cans" typeface="Euphemia"/>
+        <a:font script="Cher" typeface="Plantagenet Cherokee"/>
+        <a:font script="Yiii" typeface="Microsoft Yi Baiti"/>
+        <a:font script="Tibt" typeface="Microsoft Himalaya"/>
+        <a:font script="Thaa" typeface="MV Boli"/>
+        <a:font script="Deva" typeface="Mangal"/>
+        <a:font script="Telu" typeface="Gautami"/>
+        <a:font script="Taml" typeface="Latha"/>
+        <a:font script="Syrc" typeface="Estrangelo Edessa"/>
+        <a:font script="Orya" typeface="Kalinga"/>
+        <a:font script="Mlym" typeface="Kartika"/>
+        <a:font script="Laoo" typeface="DokChampa"/>
+        <a:font script="Sinh" typeface="Iskoola Pota"/>
+        <a:font script="Mong" typeface="Mongolian Baiti"/>
+        <a:font script="Viet" typeface="Arial"/>
+        <a:font script="Uigh" typeface="Microsoft Uighur"/>
+        <a:font script="Geor" typeface="Sylfaen"/>
+        <a:font script="Armn" typeface="Arial"/>
+        <a:font script="Bugi" typeface="Leelawadee UI"/>
+        <a:font script="Bopo" typeface="Microsoft JhengHei"/>
+        <a:font script="Java" typeface="Javanese Text"/>
+        <a:font script="Lisu" typeface="Segoe UI"/>
+        <a:font script="Mymr" typeface="Myanmar Text"/>
+        <a:font script="Nkoo" typeface="Ebrima"/>
+        <a:font script="Olck" typeface="Nirmala UI"/>
+        <a:font script="Osma" typeface="Ebrima"/>
+        <a:font script="Phag" typeface="Phagspa"/>
+        <a:font script="Syrn" typeface="Estrangelo Edessa"/>
+        <a:font script="Syrj" typeface="Estrangelo Edessa"/>
+        <a:font script="Syre" typeface="Estrangelo Edessa"/>
+        <a:font script="Sora" typeface="Nirmala UI"/>
+        <a:font script="Tale" typeface="Microsoft Tai Le"/>
+        <a:font script="Talu" typeface="Microsoft New Tai Lue"/>
+        <a:font script="Tfng" typeface="Ebrima"/>
+      </a:minorFont>
+    </a:fontScheme>
+    <a:fmtScheme name="Office">
+      <a:fillStyleLst>
+        <a:solidFill>
+          <a:schemeClr val="phClr"/>
+        </a:solidFill>
+        <a:gradFill rotWithShape="1">
+          <a:gsLst>
+            <a:gs pos="0">
+              <a:schemeClr val="phClr">
+                <a:lumMod val="110000"/>
+                <a:satMod val="105000"/>
+                <a:tint val="67000"/>
+              </a:schemeClr>
+            </a:gs>
+            <a:gs pos="50000">
+              <a:schemeClr val="phClr">
+                <a:lumMod val="105000"/>
+                <a:satMod val="103000"/>
+                <a:tint val="73000"/>
+              </a:schemeClr>
+            </a:gs>
+            <a:gs pos="100000">
+              <a:schemeClr val="phClr">
+                <a:lumMod val="105000"/>
+                <a:satMod val="109000"/>
+                <a:tint val="81000"/>
+              </a:schemeClr>
+            </a:gs>
+          </a:gsLst>
+          <a:lin ang="5400000" scaled="0"/>
+        </a:gradFill>
+        <a:gradFill rotWithShape="1">
+          <a:gsLst>
+            <a:gs pos="0">
+              <a:schemeClr val="phClr">
+                <a:satMod val="103000"/>
+                <a:lumMod val="102000"/>
+                <a:tint val="94000"/>
+              </a:schemeClr>
+            </a:gs>
+            <a:gs pos="50000">
+              <a:schemeClr val="phClr">
+                <a:satMod val="110000"/>
+                <a:lumMod val="100000"/>
+                <a:shade val="100000"/>
+              </a:schemeClr>
+            </a:gs>
+            <a:gs pos="100000">
+              <a:schemeClr val="phClr">
+                <a:lumMod val="99000"/>
+                <a:satMod val="120000"/>
+                <a:shade val="78000"/>
+              </a:schemeClr>
+            </a:gs>
+          </a:gsLst>
+          <a:lin ang="5400000" scaled="0"/>
+        </a:gradFill>
+      </a:fillStyleLst>
+      <a:lnStyleLst>
+        <a:ln w="6350" cap="flat" cmpd="sng" algn="ctr">
+          <a:solidFill>
+            <a:schemeClr val="phClr"/>
+          </a:solidFill>
+          <a:prstDash val="solid"/>
+          <a:miter lim="800000"/>
+        </a:ln>
+        <a:ln w="12700" cap="flat" cmpd="sng" algn="ctr">
+          <a:solidFill>
+            <a:schemeClr val="phClr"/>
+          </a:solidFill>
+          <a:prstDash val="solid"/>
+          <a:miter lim="800000"/>
+        </a:ln>
+        <a:ln w="19050" cap="flat" cmpd="sng" algn="ctr">
+          <a:solidFill>
+            <a:schemeClr val="phClr"/>
+          </a:solidFill>
+          <a:prstDash val="solid"/>
+          <a:miter lim="800000"/>
+        </a:ln>
+      </a:lnStyleLst>
+      <a:effectStyleLst>
+        <a:effectStyle>
+          <a:effectLst/>
+        </a:effectStyle>
+        <a:effectStyle>
+          <a:effectLst/>
+        </a:effectStyle>
+        <a:effectStyle>
+          <a:effectLst>
+            <a:outerShdw blurRad="57150" dist="19050" dir="5400000" algn="ctr" rotWithShape="0">
+              <a:srgbClr val="000000">
+                <a:alpha val="63000"/>
+              </a:srgbClr>
+            </a:outerShdw>
+          </a:effectLst>
+        </a:effectStyle>
+      </a:effectStyleLst>
+      <a:bgFillStyleLst>
+        <a:solidFill>
+          <a:schemeClr val="phClr"/>
+        </a:solidFill>
+        <a:solidFill>
+          <a:schemeClr val="phClr">
+            <a:tint val="95000"/>
+            <a:satMod val="170000"/>
+          </a:schemeClr>
+        </a:solidFill>
+        <a:gradFill rotWithShape="1">
+          <a:gsLst>
+            <a:gs pos="0">
+              <a:schemeClr val="phClr">
+                <a:tint val="93000"/>
+                <a:satMod val="150000"/>
+                <a:shade val="98000"/>
+                <a:lumMod val="102000"/>
+              </a:schemeClr>
+            </a:gs>
+            <a:gs pos="50000">
+              <a:schemeClr val="phClr">
+                <a:tint val="98000"/>
+                <a:satMod val="130000"/>
+                <a:shade val="90000"/>
+                <a:lumMod val="103000"/>
+              </a:schemeClr>
+            </a:gs>
+            <a:gs pos="100000">
+              <a:schemeClr val="phClr">
+                <a:shade val="63000"/>
+                <a:satMod val="120000"/>
+              </a:schemeClr>
+            </a:gs>
+          </a:gsLst>
+          <a:lin ang="5400000" scaled="0"/>
+        </a:gradFill>
+      </a:bgFillStyleLst>
+    </a:fmtScheme>
+  </a:themeElements>
+  <a:objectDefaults/>
+  <a:extraClrSchemeLst/>
+  <a:extLst>
+    <a:ext uri="{05A4C25C-085E-4340-85A3-A5531E510DB2}">
+      <thm15:themeFamily xmlns:thm15="http://schemas.microsoft.com/office/thememl/2012/main" name="Office Theme" id="{62F939B6-93AF-4DB8-9C6B-D6C7DFDC589F}" vid="{4A3C46E8-61CC-4603-A589-7422A47A8E4A}"/>
+    </a:ext>
+  </a:extLst>
+</a:theme>
 </file>
--- a/Orange/doc/CS01/task03/Task03.pptx
+++ b/Orange/doc/CS01/task03/Task03.pptx
@@ -204,7 +204,7 @@
           <a:p>
             <a:fld id="{47756057-94A6-4ED6-B81D-35894668BB9D}" type="datetimeFigureOut">
               <a:rPr lang="de-CH" smtClean="0"/>
-              <a:t>20.03.2017</a:t>
+              <a:t>21.03.2017</a:t>
             </a:fld>
             <a:endParaRPr lang="de-CH"/>
           </a:p>
@@ -532,8 +532,53 @@
             </a:r>
             <a:r>
               <a:rPr lang="en-US" baseline="0" dirty="0"/>
-              <a:t> Group = relatives</a:t>
-            </a:r>
+              <a:t> Group = </a:t>
+            </a:r>
+            <a:r>
+              <a:rPr lang="en-US" baseline="0" dirty="0" smtClean="0"/>
+              <a:t>relatives (</a:t>
+            </a:r>
+            <a:r>
+              <a:rPr lang="en-US" baseline="0" dirty="0" err="1" smtClean="0"/>
+              <a:t>Verwandte</a:t>
+            </a:r>
+            <a:r>
+              <a:rPr lang="en-US" baseline="0" dirty="0" smtClean="0"/>
+              <a:t>, </a:t>
+            </a:r>
+            <a:r>
+              <a:rPr lang="en-US" baseline="0" dirty="0" err="1" smtClean="0"/>
+              <a:t>Vormund</a:t>
+            </a:r>
+            <a:r>
+              <a:rPr lang="en-US" baseline="0" dirty="0" smtClean="0"/>
+              <a:t> </a:t>
+            </a:r>
+            <a:r>
+              <a:rPr lang="en-US" baseline="0" dirty="0" err="1" smtClean="0"/>
+              <a:t>vor</a:t>
+            </a:r>
+            <a:r>
+              <a:rPr lang="en-US" baseline="0" dirty="0" smtClean="0"/>
+              <a:t> </a:t>
+            </a:r>
+            <a:r>
+              <a:rPr lang="en-US" baseline="0" dirty="0" err="1" smtClean="0"/>
+              <a:t>allem</a:t>
+            </a:r>
+            <a:r>
+              <a:rPr lang="en-US" baseline="0" dirty="0" smtClean="0"/>
+              <a:t> </a:t>
+            </a:r>
+            <a:r>
+              <a:rPr lang="en-US" baseline="0" dirty="0" err="1" smtClean="0"/>
+              <a:t>Eltern</a:t>
+            </a:r>
+            <a:r>
+              <a:rPr lang="en-US" baseline="0" dirty="0" smtClean="0"/>
+              <a:t>)</a:t>
+            </a:r>
+            <a:endParaRPr lang="en-US" baseline="0" dirty="0"/>
           </a:p>
           <a:p>
             <a:r>
@@ -545,8 +590,64 @@
               <a:t> </a:t>
             </a:r>
             <a:r>
-              <a:rPr lang="en-US" baseline="0" dirty="0" err="1"/>
+              <a:rPr lang="en-US" baseline="0" dirty="0" err="1" smtClean="0"/>
               <a:t>schizophrenie</a:t>
+            </a:r>
+            <a:r>
+              <a:rPr lang="en-US" baseline="0" dirty="0" smtClean="0"/>
+              <a:t> (</a:t>
+            </a:r>
+            <a:r>
+              <a:rPr lang="en-US" baseline="0" dirty="0" err="1" smtClean="0"/>
+              <a:t>Störung</a:t>
+            </a:r>
+            <a:r>
+              <a:rPr lang="en-US" baseline="0" dirty="0" smtClean="0"/>
+              <a:t> der </a:t>
+            </a:r>
+            <a:r>
+              <a:rPr lang="en-US" baseline="0" dirty="0" err="1" smtClean="0"/>
+              <a:t>Warnehmung</a:t>
+            </a:r>
+            <a:r>
+              <a:rPr lang="en-US" baseline="0" dirty="0" smtClean="0"/>
+              <a:t>, </a:t>
+            </a:r>
+            <a:r>
+              <a:rPr lang="de-CH" sz="1200" b="0" i="0" kern="1200" dirty="0" smtClean="0">
+                <a:solidFill>
+                  <a:schemeClr val="tx1"/>
+                </a:solidFill>
+                <a:effectLst/>
+                <a:latin typeface="+mn-lt"/>
+                <a:ea typeface="+mn-ea"/>
+                <a:cs typeface="+mn-cs"/>
+              </a:rPr>
+              <a:t>Fehlwahrnehmungen und Fehlinterpretationen der Umwelt, nicht </a:t>
+            </a:r>
+            <a:r>
+              <a:rPr lang="de-CH" sz="1200" b="0" i="0" kern="1200" dirty="0" err="1" smtClean="0">
+                <a:solidFill>
+                  <a:schemeClr val="tx1"/>
+                </a:solidFill>
+                <a:effectLst/>
+                <a:latin typeface="+mn-lt"/>
+                <a:ea typeface="+mn-ea"/>
+                <a:cs typeface="+mn-cs"/>
+              </a:rPr>
+              <a:t>Persönlichkeitspaltung</a:t>
+            </a:r>
+            <a:r>
+              <a:rPr lang="de-CH" sz="1200" b="0" i="0" kern="1200" dirty="0" smtClean="0">
+                <a:solidFill>
+                  <a:schemeClr val="tx1"/>
+                </a:solidFill>
+                <a:effectLst/>
+                <a:latin typeface="+mn-lt"/>
+                <a:ea typeface="+mn-ea"/>
+                <a:cs typeface="+mn-cs"/>
+              </a:rPr>
+              <a:t> )</a:t>
             </a:r>
             <a:endParaRPr lang="de-CH" dirty="0"/>
           </a:p>
@@ -633,63 +734,145 @@
           <a:lstStyle/>
           <a:p>
             <a:r>
-              <a:rPr lang="en-US" dirty="0"/>
+              <a:rPr lang="en-US" dirty="0" smtClean="0"/>
               <a:t>Joy</a:t>
             </a:r>
           </a:p>
           <a:p>
-            <a:pPr marL="0" marR="0" lvl="0" indent="0" algn="l" defTabSz="914400" rtl="0" eaLnBrk="1" fontAlgn="auto" latinLnBrk="0" hangingPunct="1">
-              <a:lnSpc>
-                <a:spcPct val="100000"/>
-              </a:lnSpc>
-              <a:spcBef>
-                <a:spcPts val="0"/>
-              </a:spcBef>
-              <a:spcAft>
-                <a:spcPts val="0"/>
-              </a:spcAft>
-              <a:buClrTx/>
-              <a:buSzTx/>
-              <a:buFontTx/>
-              <a:buNone/>
-              <a:tabLst/>
-              <a:defRPr/>
-            </a:pPr>
-            <a:r>
-              <a:rPr lang="en-US" dirty="0"/>
-              <a:t>Provide basic information about the patient and the relatives</a:t>
-            </a:r>
-          </a:p>
-          <a:p>
-            <a:pPr marL="0" marR="0" lvl="0" indent="0" algn="l" defTabSz="914400" rtl="0" eaLnBrk="1" fontAlgn="auto" latinLnBrk="0" hangingPunct="1">
-              <a:lnSpc>
-                <a:spcPct val="100000"/>
-              </a:lnSpc>
-              <a:spcBef>
-                <a:spcPts val="0"/>
-              </a:spcBef>
-              <a:spcAft>
-                <a:spcPts val="0"/>
-              </a:spcAft>
-              <a:buClrTx/>
-              <a:buSzTx/>
-              <a:buFontTx/>
-              <a:buNone/>
-              <a:tabLst/>
-              <a:defRPr/>
-            </a:pPr>
-            <a:r>
-              <a:rPr lang="en-US" dirty="0"/>
-              <a:t>Standardized data exchange between medical staff and relatives</a:t>
-            </a:r>
-            <a:endParaRPr lang="en-US" b="1" dirty="0"/>
-          </a:p>
-          <a:p>
-            <a:r>
-              <a:rPr lang="en-US" dirty="0"/>
-              <a:t>Consistent history of the patients activities to improve the medical treatment by the staff</a:t>
-            </a:r>
-            <a:endParaRPr lang="de-CH" dirty="0"/>
+            <a:r>
+              <a:rPr lang="en-US" dirty="0" smtClean="0"/>
+              <a:t>Was</a:t>
+            </a:r>
+            <a:r>
+              <a:rPr lang="en-US" baseline="0" dirty="0" smtClean="0"/>
+              <a:t> </a:t>
+            </a:r>
+            <a:r>
+              <a:rPr lang="en-US" baseline="0" dirty="0" err="1" smtClean="0"/>
+              <a:t>gehört</a:t>
+            </a:r>
+            <a:r>
+              <a:rPr lang="en-US" baseline="0" dirty="0" smtClean="0"/>
+              <a:t> </a:t>
+            </a:r>
+            <a:r>
+              <a:rPr lang="en-US" baseline="0" dirty="0" err="1" smtClean="0"/>
+              <a:t>zur</a:t>
+            </a:r>
+            <a:r>
+              <a:rPr lang="en-US" baseline="0" dirty="0" smtClean="0"/>
+              <a:t> App:</a:t>
+            </a:r>
+            <a:br>
+              <a:rPr lang="en-US" baseline="0" dirty="0" smtClean="0"/>
+            </a:br>
+            <a:r>
+              <a:rPr lang="en-US" baseline="0" dirty="0" err="1" smtClean="0"/>
+              <a:t>Inhalt</a:t>
+            </a:r>
+            <a:r>
+              <a:rPr lang="en-US" baseline="0" dirty="0" smtClean="0"/>
+              <a:t> – </a:t>
+            </a:r>
+            <a:r>
+              <a:rPr lang="en-US" baseline="0" dirty="0" err="1" smtClean="0"/>
+              <a:t>Stammdaten</a:t>
+            </a:r>
+            <a:r>
+              <a:rPr lang="en-US" baseline="0" dirty="0" smtClean="0"/>
+              <a:t> patient und relatives, Info </a:t>
+            </a:r>
+            <a:r>
+              <a:rPr lang="en-US" baseline="0" dirty="0" err="1" smtClean="0"/>
+              <a:t>über</a:t>
+            </a:r>
+            <a:r>
+              <a:rPr lang="en-US" baseline="0" dirty="0" smtClean="0"/>
+              <a:t> Patient --  Relatives </a:t>
+            </a:r>
+            <a:r>
+              <a:rPr lang="en-US" baseline="0" dirty="0" err="1" smtClean="0"/>
+              <a:t>können</a:t>
+            </a:r>
+            <a:r>
+              <a:rPr lang="en-US" baseline="0" dirty="0" smtClean="0"/>
+              <a:t> </a:t>
+            </a:r>
+            <a:r>
+              <a:rPr lang="en-US" baseline="0" dirty="0" err="1" smtClean="0"/>
+              <a:t>Ereignisse</a:t>
+            </a:r>
+            <a:r>
+              <a:rPr lang="en-US" baseline="0" dirty="0" smtClean="0"/>
+              <a:t>/</a:t>
+            </a:r>
+            <a:r>
+              <a:rPr lang="en-US" baseline="0" dirty="0" err="1" smtClean="0"/>
+              <a:t>Aktivitäten</a:t>
+            </a:r>
+            <a:r>
+              <a:rPr lang="en-US" baseline="0" dirty="0" smtClean="0"/>
+              <a:t> </a:t>
+            </a:r>
+            <a:r>
+              <a:rPr lang="en-US" baseline="0" dirty="0" err="1" smtClean="0"/>
+              <a:t>erfassen</a:t>
+            </a:r>
+            <a:r>
+              <a:rPr lang="en-US" baseline="0" dirty="0" smtClean="0"/>
+              <a:t> </a:t>
+            </a:r>
+          </a:p>
+          <a:p>
+            <a:r>
+              <a:rPr lang="en-US" baseline="0" dirty="0" err="1" smtClean="0"/>
+              <a:t>Ziel</a:t>
+            </a:r>
+            <a:r>
+              <a:rPr lang="en-US" baseline="0" dirty="0" smtClean="0"/>
+              <a:t> – </a:t>
+            </a:r>
+            <a:r>
+              <a:rPr lang="en-US" baseline="0" dirty="0" err="1" smtClean="0"/>
+              <a:t>Weniger</a:t>
+            </a:r>
+            <a:r>
+              <a:rPr lang="en-US" baseline="0" dirty="0" smtClean="0"/>
+              <a:t> </a:t>
+            </a:r>
+            <a:r>
+              <a:rPr lang="en-US" baseline="0" dirty="0" err="1" smtClean="0"/>
+              <a:t>Arbeit</a:t>
+            </a:r>
+            <a:r>
+              <a:rPr lang="en-US" baseline="0" dirty="0" smtClean="0"/>
+              <a:t> </a:t>
+            </a:r>
+            <a:r>
+              <a:rPr lang="en-US" baseline="0" dirty="0" err="1" smtClean="0"/>
+              <a:t>für</a:t>
+            </a:r>
+            <a:r>
+              <a:rPr lang="en-US" baseline="0" dirty="0" smtClean="0"/>
+              <a:t> Personal (</a:t>
+            </a:r>
+            <a:r>
+              <a:rPr lang="en-US" baseline="0" dirty="0" err="1" smtClean="0"/>
+              <a:t>pfleger</a:t>
+            </a:r>
+            <a:r>
+              <a:rPr lang="en-US" baseline="0" dirty="0" smtClean="0"/>
+              <a:t>, doctor, administration) &amp; </a:t>
+            </a:r>
+            <a:r>
+              <a:rPr lang="en-US" baseline="0" dirty="0" err="1" smtClean="0"/>
+              <a:t>Unterstützung</a:t>
+            </a:r>
+            <a:r>
+              <a:rPr lang="en-US" baseline="0" dirty="0" smtClean="0"/>
+              <a:t> relatives</a:t>
+            </a:r>
+            <a:endParaRPr lang="en-US" dirty="0"/>
           </a:p>
         </p:txBody>
       </p:sp>
@@ -874,8 +1057,108 @@
           <a:lstStyle/>
           <a:p>
             <a:r>
-              <a:rPr lang="en-US" dirty="0"/>
+              <a:rPr lang="en-US" dirty="0" smtClean="0"/>
               <a:t>Joy</a:t>
+            </a:r>
+          </a:p>
+          <a:p>
+            <a:r>
+              <a:rPr lang="en-US" dirty="0" err="1" smtClean="0"/>
+              <a:t>Immer</a:t>
+            </a:r>
+            <a:r>
+              <a:rPr lang="en-US" baseline="0" dirty="0" smtClean="0"/>
+              <a:t> </a:t>
+            </a:r>
+            <a:r>
+              <a:rPr lang="en-US" baseline="0" dirty="0" err="1" smtClean="0"/>
+              <a:t>wieder</a:t>
+            </a:r>
+            <a:r>
+              <a:rPr lang="en-US" baseline="0" dirty="0" smtClean="0"/>
+              <a:t> </a:t>
+            </a:r>
+            <a:r>
+              <a:rPr lang="en-US" baseline="0" dirty="0" err="1" smtClean="0"/>
+              <a:t>Ideen</a:t>
+            </a:r>
+            <a:r>
+              <a:rPr lang="en-US" baseline="0" dirty="0" smtClean="0"/>
+              <a:t> </a:t>
+            </a:r>
+            <a:r>
+              <a:rPr lang="en-US" baseline="0" dirty="0" err="1" smtClean="0"/>
+              <a:t>gesammelt</a:t>
+            </a:r>
+            <a:r>
+              <a:rPr lang="en-US" baseline="0" dirty="0" smtClean="0"/>
+              <a:t>, </a:t>
+            </a:r>
+            <a:r>
+              <a:rPr lang="en-US" baseline="0" dirty="0" err="1" smtClean="0"/>
+              <a:t>aufgaben</a:t>
+            </a:r>
+            <a:r>
+              <a:rPr lang="en-US" baseline="0" dirty="0" smtClean="0"/>
+              <a:t> </a:t>
+            </a:r>
+            <a:r>
+              <a:rPr lang="en-US" baseline="0" dirty="0" err="1" smtClean="0"/>
+              <a:t>definiert</a:t>
+            </a:r>
+            <a:r>
+              <a:rPr lang="en-US" baseline="0" dirty="0" smtClean="0"/>
+              <a:t/>
+            </a:r>
+            <a:br>
+              <a:rPr lang="en-US" baseline="0" dirty="0" smtClean="0"/>
+            </a:br>
+            <a:r>
+              <a:rPr lang="en-US" baseline="0" dirty="0" err="1" smtClean="0"/>
+              <a:t>Fragen</a:t>
+            </a:r>
+            <a:r>
+              <a:rPr lang="en-US" baseline="0" dirty="0" smtClean="0"/>
+              <a:t> </a:t>
+            </a:r>
+            <a:r>
+              <a:rPr lang="en-US" baseline="0" dirty="0" err="1" smtClean="0"/>
+              <a:t>für</a:t>
+            </a:r>
+            <a:r>
+              <a:rPr lang="en-US" baseline="0" dirty="0" smtClean="0"/>
+              <a:t> Interview </a:t>
+            </a:r>
+            <a:r>
+              <a:rPr lang="en-US" baseline="0" dirty="0" err="1" smtClean="0"/>
+              <a:t>aufgeschrieben</a:t>
+            </a:r>
+            <a:endParaRPr lang="en-US" baseline="0" dirty="0" smtClean="0"/>
+          </a:p>
+          <a:p>
+            <a:r>
+              <a:rPr lang="en-US" baseline="0" dirty="0" smtClean="0"/>
+              <a:t>Storyboards </a:t>
+            </a:r>
+            <a:r>
+              <a:rPr lang="en-US" baseline="0" dirty="0" err="1" smtClean="0"/>
+              <a:t>definiert</a:t>
+            </a:r>
+            <a:r>
+              <a:rPr lang="en-US" baseline="0" dirty="0" smtClean="0"/>
+              <a:t> und </a:t>
+            </a:r>
+            <a:r>
+              <a:rPr lang="en-US" baseline="0" dirty="0" err="1" smtClean="0"/>
+              <a:t>laufend</a:t>
+            </a:r>
+            <a:r>
+              <a:rPr lang="en-US" baseline="0" dirty="0" smtClean="0"/>
+              <a:t> </a:t>
+            </a:r>
+            <a:r>
+              <a:rPr lang="en-US" baseline="0" dirty="0" err="1" smtClean="0"/>
+              <a:t>angepasst</a:t>
             </a:r>
             <a:endParaRPr lang="de-CH" dirty="0"/>
           </a:p>
@@ -1050,8 +1333,92 @@
           <a:lstStyle/>
           <a:p>
             <a:r>
-              <a:rPr lang="en-US" dirty="0"/>
+              <a:rPr lang="en-US" dirty="0" smtClean="0"/>
               <a:t>Joy</a:t>
+            </a:r>
+          </a:p>
+          <a:p>
+            <a:r>
+              <a:rPr lang="en-US" dirty="0" smtClean="0"/>
+              <a:t>12</a:t>
+            </a:r>
+            <a:r>
+              <a:rPr lang="en-US" baseline="0" dirty="0" smtClean="0"/>
+              <a:t> Storyboards </a:t>
+            </a:r>
+            <a:r>
+              <a:rPr lang="en-US" baseline="0" dirty="0" err="1" smtClean="0"/>
+              <a:t>definiert</a:t>
+            </a:r>
+            <a:r>
+              <a:rPr lang="en-US" baseline="0" dirty="0" smtClean="0"/>
+              <a:t>. </a:t>
+            </a:r>
+            <a:br>
+              <a:rPr lang="en-US" baseline="0" dirty="0" smtClean="0"/>
+            </a:br>
+            <a:r>
+              <a:rPr lang="en-US" baseline="0" dirty="0" smtClean="0"/>
+              <a:t>Storyboard </a:t>
+            </a:r>
+            <a:r>
+              <a:rPr lang="en-US" baseline="0" dirty="0" err="1" smtClean="0"/>
+              <a:t>Medikation</a:t>
+            </a:r>
+            <a:r>
+              <a:rPr lang="en-US" baseline="0" dirty="0" smtClean="0"/>
+              <a:t>.</a:t>
+            </a:r>
+            <a:br>
+              <a:rPr lang="en-US" baseline="0" dirty="0" smtClean="0"/>
+            </a:br>
+            <a:r>
+              <a:rPr lang="en-US" baseline="0" dirty="0" smtClean="0"/>
+              <a:t>Patient hat </a:t>
+            </a:r>
+            <a:r>
+              <a:rPr lang="en-US" baseline="0" dirty="0" err="1" smtClean="0"/>
+              <a:t>Probleme</a:t>
+            </a:r>
+            <a:r>
+              <a:rPr lang="en-US" baseline="0" dirty="0" smtClean="0"/>
+              <a:t> – </a:t>
+            </a:r>
+            <a:r>
+              <a:rPr lang="en-US" baseline="0" dirty="0" err="1" smtClean="0"/>
+              <a:t>Medikation</a:t>
+            </a:r>
+            <a:r>
+              <a:rPr lang="en-US" baseline="0" dirty="0" smtClean="0"/>
+              <a:t> in App </a:t>
+            </a:r>
+            <a:r>
+              <a:rPr lang="en-US" baseline="0" dirty="0" err="1" smtClean="0"/>
+              <a:t>überprüfen</a:t>
+            </a:r>
+            <a:r>
+              <a:rPr lang="en-US" baseline="0" dirty="0" smtClean="0"/>
+              <a:t> – </a:t>
+            </a:r>
+            <a:r>
+              <a:rPr lang="en-US" baseline="0" dirty="0" err="1" smtClean="0"/>
+              <a:t>richtige</a:t>
+            </a:r>
+            <a:r>
+              <a:rPr lang="en-US" baseline="0" dirty="0" smtClean="0"/>
+              <a:t> </a:t>
+            </a:r>
+            <a:r>
+              <a:rPr lang="en-US" baseline="0" dirty="0" err="1" smtClean="0"/>
+              <a:t>Dosis</a:t>
+            </a:r>
+            <a:r>
+              <a:rPr lang="en-US" baseline="0" dirty="0" smtClean="0"/>
+              <a:t> </a:t>
+            </a:r>
+            <a:r>
+              <a:rPr lang="en-US" baseline="0" dirty="0" err="1" smtClean="0"/>
+              <a:t>verarbeichen</a:t>
             </a:r>
             <a:endParaRPr lang="de-CH" dirty="0"/>
           </a:p>
@@ -1226,81 +1593,114 @@
           <a:lstStyle/>
           <a:p>
             <a:r>
-              <a:rPr lang="en-US" dirty="0"/>
+              <a:rPr lang="en-US" dirty="0" smtClean="0"/>
               <a:t>Joy</a:t>
             </a:r>
           </a:p>
           <a:p>
             <a:r>
-              <a:rPr lang="en-US" dirty="0"/>
-              <a:t>Patient muss </a:t>
-            </a:r>
-            <a:r>
-              <a:rPr lang="en-US" dirty="0" err="1"/>
-              <a:t>gleich</a:t>
-            </a:r>
-            <a:r>
-              <a:rPr lang="en-US" dirty="0"/>
+              <a:rPr lang="en-US" dirty="0" smtClean="0"/>
+              <a:t>Interview</a:t>
+            </a:r>
+            <a:r>
+              <a:rPr lang="en-US" baseline="0" dirty="0" smtClean="0"/>
+              <a:t> war </a:t>
+            </a:r>
+            <a:r>
+              <a:rPr lang="en-US" baseline="0" dirty="0" err="1" smtClean="0"/>
+              <a:t>interessant</a:t>
+            </a:r>
+            <a:r>
+              <a:rPr lang="en-US" baseline="0" dirty="0" smtClean="0"/>
+              <a:t> und hat </a:t>
+            </a:r>
+            <a:r>
+              <a:rPr lang="en-US" baseline="0" dirty="0" err="1" smtClean="0"/>
+              <a:t>sehr</a:t>
+            </a:r>
+            <a:r>
+              <a:rPr lang="en-US" baseline="0" dirty="0" smtClean="0"/>
               <a:t> </a:t>
             </a:r>
             <a:r>
-              <a:rPr lang="en-US" dirty="0" err="1"/>
-              <a:t>viel</a:t>
-            </a:r>
-            <a:r>
-              <a:rPr lang="en-US" dirty="0"/>
+              <a:rPr lang="en-US" baseline="0" dirty="0" err="1" smtClean="0"/>
+              <a:t>geholfen</a:t>
+            </a:r>
+            <a:endParaRPr lang="en-US" baseline="0" dirty="0" smtClean="0"/>
+          </a:p>
+          <a:p>
+            <a:r>
+              <a:rPr lang="en-US" baseline="0" dirty="0" smtClean="0"/>
+              <a:t>App </a:t>
+            </a:r>
+            <a:r>
+              <a:rPr lang="en-US" baseline="0" dirty="0" err="1" smtClean="0"/>
+              <a:t>nur</a:t>
+            </a:r>
+            <a:r>
+              <a:rPr lang="en-US" baseline="0" dirty="0" smtClean="0"/>
               <a:t> </a:t>
             </a:r>
             <a:r>
-              <a:rPr lang="en-US" dirty="0" err="1"/>
-              <a:t>sehen</a:t>
-            </a:r>
-            <a:r>
-              <a:rPr lang="en-US" dirty="0"/>
+              <a:rPr lang="en-US" baseline="0" dirty="0" err="1" smtClean="0"/>
+              <a:t>sinnvoll</a:t>
+            </a:r>
+            <a:r>
+              <a:rPr lang="en-US" baseline="0" dirty="0" smtClean="0"/>
               <a:t> </a:t>
             </a:r>
             <a:r>
-              <a:rPr lang="en-US" dirty="0" err="1"/>
-              <a:t>können</a:t>
-            </a:r>
-            <a:r>
-              <a:rPr lang="en-US" dirty="0"/>
+              <a:rPr lang="en-US" baseline="0" dirty="0" err="1" smtClean="0"/>
+              <a:t>wenn</a:t>
+            </a:r>
+            <a:r>
+              <a:rPr lang="en-US" baseline="0" dirty="0" smtClean="0"/>
+              <a:t>, Patient </a:t>
+            </a:r>
+            <a:r>
+              <a:rPr lang="en-US" baseline="0" dirty="0" err="1" smtClean="0"/>
+              <a:t>gleichviel</a:t>
+            </a:r>
+            <a:r>
+              <a:rPr lang="en-US" baseline="0" dirty="0" smtClean="0"/>
               <a:t> </a:t>
             </a:r>
             <a:r>
-              <a:rPr lang="en-US" dirty="0" err="1"/>
-              <a:t>wie</a:t>
-            </a:r>
-            <a:r>
-              <a:rPr lang="en-US" dirty="0"/>
-              <a:t> Relatives</a:t>
-            </a:r>
-          </a:p>
-          <a:p>
-            <a:r>
-              <a:rPr lang="en-US" dirty="0"/>
-              <a:t>Interview hat </a:t>
-            </a:r>
-            <a:r>
-              <a:rPr lang="en-US" dirty="0" err="1"/>
-              <a:t>sehr</a:t>
-            </a:r>
-            <a:r>
-              <a:rPr lang="en-US" dirty="0"/>
+              <a:rPr lang="en-US" baseline="0" dirty="0" err="1" smtClean="0"/>
+              <a:t>sieht</a:t>
+            </a:r>
+            <a:r>
+              <a:rPr lang="en-US" baseline="0" dirty="0" smtClean="0"/>
+              <a:t> – </a:t>
+            </a:r>
+            <a:r>
+              <a:rPr lang="en-US" baseline="0" dirty="0" err="1" smtClean="0"/>
+              <a:t>Überwachung</a:t>
+            </a:r>
+            <a:endParaRPr lang="en-US" baseline="0" dirty="0" smtClean="0"/>
+          </a:p>
+          <a:p>
+            <a:r>
+              <a:rPr lang="en-US" baseline="0" dirty="0" err="1" smtClean="0"/>
+              <a:t>Danke</a:t>
+            </a:r>
+            <a:r>
+              <a:rPr lang="en-US" baseline="0" dirty="0" smtClean="0"/>
               <a:t> </a:t>
             </a:r>
             <a:r>
-              <a:rPr lang="en-US" dirty="0" err="1"/>
-              <a:t>geholfen</a:t>
+              <a:rPr lang="en-US" baseline="0" dirty="0" err="1" smtClean="0"/>
+              <a:t>fürs</a:t>
+            </a:r>
+            <a:r>
+              <a:rPr lang="en-US" baseline="0" dirty="0" smtClean="0"/>
+              <a:t> </a:t>
+            </a:r>
+            <a:r>
+              <a:rPr lang="en-US" baseline="0" dirty="0" err="1" smtClean="0"/>
+              <a:t>zuhören</a:t>
             </a:r>
             <a:endParaRPr lang="en-US" dirty="0"/>
-          </a:p>
-          <a:p>
-            <a:r>
-              <a:rPr lang="en-US" dirty="0" err="1"/>
-              <a:t>überwachung</a:t>
-            </a:r>
-            <a:endParaRPr lang="de-CH" dirty="0"/>
           </a:p>
         </p:txBody>
       </p:sp>
@@ -1471,7 +1871,7 @@
           <a:p>
             <a:fld id="{F1243F6A-35EE-444A-AF58-A1CB382CFE18}" type="datetimeFigureOut">
               <a:rPr lang="de-CH" smtClean="0"/>
-              <a:t>20.03.2017</a:t>
+              <a:t>21.03.2017</a:t>
             </a:fld>
             <a:endParaRPr lang="de-CH"/>
           </a:p>
@@ -1641,7 +2041,7 @@
           <a:p>
             <a:fld id="{F1243F6A-35EE-444A-AF58-A1CB382CFE18}" type="datetimeFigureOut">
               <a:rPr lang="de-CH" smtClean="0"/>
-              <a:t>20.03.2017</a:t>
+              <a:t>21.03.2017</a:t>
             </a:fld>
             <a:endParaRPr lang="de-CH"/>
           </a:p>
@@ -1821,7 +2221,7 @@
           <a:p>
             <a:fld id="{F1243F6A-35EE-444A-AF58-A1CB382CFE18}" type="datetimeFigureOut">
               <a:rPr lang="de-CH" smtClean="0"/>
-              <a:t>20.03.2017</a:t>
+              <a:t>21.03.2017</a:t>
             </a:fld>
             <a:endParaRPr lang="de-CH"/>
           </a:p>
@@ -1991,7 +2391,7 @@
           <a:p>
             <a:fld id="{F1243F6A-35EE-444A-AF58-A1CB382CFE18}" type="datetimeFigureOut">
               <a:rPr lang="de-CH" smtClean="0"/>
-              <a:t>20.03.2017</a:t>
+              <a:t>21.03.2017</a:t>
             </a:fld>
             <a:endParaRPr lang="de-CH"/>
           </a:p>
@@ -2237,7 +2637,7 @@
           <a:p>
             <a:fld id="{F1243F6A-35EE-444A-AF58-A1CB382CFE18}" type="datetimeFigureOut">
               <a:rPr lang="de-CH" smtClean="0"/>
-              <a:t>20.03.2017</a:t>
+              <a:t>21.03.2017</a:t>
             </a:fld>
             <a:endParaRPr lang="de-CH"/>
           </a:p>
@@ -2469,7 +2869,7 @@
           <a:p>
             <a:fld id="{F1243F6A-35EE-444A-AF58-A1CB382CFE18}" type="datetimeFigureOut">
               <a:rPr lang="de-CH" smtClean="0"/>
-              <a:t>20.03.2017</a:t>
+              <a:t>21.03.2017</a:t>
             </a:fld>
             <a:endParaRPr lang="de-CH"/>
           </a:p>
@@ -2836,7 +3236,7 @@
           <a:p>
             <a:fld id="{F1243F6A-35EE-444A-AF58-A1CB382CFE18}" type="datetimeFigureOut">
               <a:rPr lang="de-CH" smtClean="0"/>
-              <a:t>20.03.2017</a:t>
+              <a:t>21.03.2017</a:t>
             </a:fld>
             <a:endParaRPr lang="de-CH"/>
           </a:p>
@@ -2954,7 +3354,7 @@
           <a:p>
             <a:fld id="{F1243F6A-35EE-444A-AF58-A1CB382CFE18}" type="datetimeFigureOut">
               <a:rPr lang="de-CH" smtClean="0"/>
-              <a:t>20.03.2017</a:t>
+              <a:t>21.03.2017</a:t>
             </a:fld>
             <a:endParaRPr lang="de-CH"/>
           </a:p>
@@ -3049,7 +3449,7 @@
           <a:p>
             <a:fld id="{F1243F6A-35EE-444A-AF58-A1CB382CFE18}" type="datetimeFigureOut">
               <a:rPr lang="de-CH" smtClean="0"/>
-              <a:t>20.03.2017</a:t>
+              <a:t>21.03.2017</a:t>
             </a:fld>
             <a:endParaRPr lang="de-CH"/>
           </a:p>
@@ -3326,7 +3726,7 @@
           <a:p>
             <a:fld id="{F1243F6A-35EE-444A-AF58-A1CB382CFE18}" type="datetimeFigureOut">
               <a:rPr lang="de-CH" smtClean="0"/>
-              <a:t>20.03.2017</a:t>
+              <a:t>21.03.2017</a:t>
             </a:fld>
             <a:endParaRPr lang="de-CH"/>
           </a:p>
@@ -3579,7 +3979,7 @@
           <a:p>
             <a:fld id="{F1243F6A-35EE-444A-AF58-A1CB382CFE18}" type="datetimeFigureOut">
               <a:rPr lang="de-CH" smtClean="0"/>
-              <a:t>20.03.2017</a:t>
+              <a:t>21.03.2017</a:t>
             </a:fld>
             <a:endParaRPr lang="de-CH"/>
           </a:p>
@@ -3792,7 +4192,7 @@
           <a:p>
             <a:fld id="{F1243F6A-35EE-444A-AF58-A1CB382CFE18}" type="datetimeFigureOut">
               <a:rPr lang="de-CH" smtClean="0"/>
-              <a:t>20.03.2017</a:t>
+              <a:t>21.03.2017</a:t>
             </a:fld>
             <a:endParaRPr lang="de-CH"/>
           </a:p>
@@ -4948,7 +5348,7 @@
           <p:nvPr/>
         </p:nvPicPr>
         <p:blipFill>
-          <a:blip r:embed="rId3">
+          <a:blip r:embed="rId3" cstate="print">
             <a:extLst>
               <a:ext uri="{28A0092B-C50C-407E-A947-70E740481C1C}">
                 <a14:useLocalDpi xmlns:a14="http://schemas.microsoft.com/office/drawing/2010/main" val="0"/>
@@ -5438,11 +5838,17 @@
             <p:ph type="title"/>
           </p:nvPr>
         </p:nvSpPr>
-        <p:spPr/>
-        <p:txBody>
-          <a:bodyPr/>
-          <a:lstStyle/>
-          <a:p>
+        <p:spPr>
+          <a:xfrm>
+            <a:off x="838200" y="2017276"/>
+            <a:ext cx="10515600" cy="1325563"/>
+          </a:xfrm>
+        </p:spPr>
+        <p:txBody>
+          <a:bodyPr/>
+          <a:lstStyle/>
+          <a:p>
+            <a:pPr algn="ctr"/>
             <a:r>
               <a:rPr lang="de-CH" b="1" dirty="0" err="1"/>
               <a:t>Discussion</a:t>
